--- a/ООПp.1.pptx
+++ b/ООПp.1.pptx
@@ -16,8 +16,8 @@
     <p:sldId id="261" r:id="rId7"/>
     <p:sldId id="268" r:id="rId8"/>
     <p:sldId id="297" r:id="rId9"/>
-    <p:sldId id="434" r:id="rId10"/>
-    <p:sldId id="435" r:id="rId11"/>
+    <p:sldId id="435" r:id="rId10"/>
+    <p:sldId id="434" r:id="rId11"/>
     <p:sldId id="403" r:id="rId12"/>
     <p:sldId id="429" r:id="rId13"/>
     <p:sldId id="422" r:id="rId14"/>
@@ -53,32 +53,32 @@
   <p:notesSz cx="6858000" cy="9144000"/>
   <p:embeddedFontLst>
     <p:embeddedFont>
-      <p:font typeface="Roboto" charset="0"/>
+      <p:font typeface="Calibri" panose="020F0502020204030204" pitchFamily="34" charset="0"/>
       <p:regular r:id="rId43"/>
       <p:bold r:id="rId44"/>
       <p:italic r:id="rId45"/>
       <p:boldItalic r:id="rId46"/>
     </p:embeddedFont>
     <p:embeddedFont>
-      <p:font typeface="Consolas" pitchFamily="49" charset="0"/>
+      <p:font typeface="Consolas" panose="020B0609020204030204" pitchFamily="49" charset="0"/>
       <p:regular r:id="rId47"/>
       <p:bold r:id="rId48"/>
       <p:italic r:id="rId49"/>
       <p:boldItalic r:id="rId50"/>
     </p:embeddedFont>
     <p:embeddedFont>
-      <p:font typeface="Calibri" pitchFamily="34" charset="0"/>
+      <p:font typeface="Segoe UI" panose="020B0502040204020203" pitchFamily="34" charset="0"/>
       <p:regular r:id="rId51"/>
       <p:bold r:id="rId52"/>
       <p:italic r:id="rId53"/>
       <p:boldItalic r:id="rId54"/>
     </p:embeddedFont>
     <p:embeddedFont>
-      <p:font typeface="Arial Unicode MS" pitchFamily="34" charset="-128"/>
+      <p:font typeface="Arial Unicode MS" panose="020B0604020202020204" charset="-128"/>
       <p:regular r:id="rId55"/>
     </p:embeddedFont>
     <p:embeddedFont>
-      <p:font typeface="Segoe UI" pitchFamily="34" charset="0"/>
+      <p:font typeface="Roboto" panose="020B0604020202020204" charset="0"/>
       <p:regular r:id="rId56"/>
       <p:bold r:id="rId57"/>
       <p:italic r:id="rId58"/>
@@ -316,7 +316,7 @@
   </p:defaultTextStyle>
   <p:extLst>
     <p:ext uri="{EFAFB233-063F-42B5-8137-9DF3F51BA10A}">
-      <p15:sldGuideLst xmlns="" xmlns:p15="http://schemas.microsoft.com/office/powerpoint/2012/main">
+      <p15:sldGuideLst xmlns:p15="http://schemas.microsoft.com/office/powerpoint/2012/main">
         <p15:guide id="1" orient="horz" pos="1620">
           <p15:clr>
             <a:srgbClr val="A4A3A4"/>
@@ -873,7 +873,7 @@
     </p:spTree>
     <p:extLst>
       <p:ext uri="{BB962C8B-B14F-4D97-AF65-F5344CB8AC3E}">
-        <p14:creationId xmlns="" xmlns:p14="http://schemas.microsoft.com/office/powerpoint/2010/main" val="1559280179"/>
+        <p14:creationId xmlns:p14="http://schemas.microsoft.com/office/powerpoint/2010/main" val="1559280179"/>
       </p:ext>
     </p:extLst>
   </p:cSld>
@@ -982,7 +982,7 @@
     </p:spTree>
     <p:extLst>
       <p:ext uri="{BB962C8B-B14F-4D97-AF65-F5344CB8AC3E}">
-        <p14:creationId xmlns:p14="http://schemas.microsoft.com/office/powerpoint/2010/main" xmlns="" val="1640002416"/>
+        <p14:creationId xmlns:p14="http://schemas.microsoft.com/office/powerpoint/2010/main" val="69398223"/>
       </p:ext>
     </p:extLst>
   </p:cSld>
@@ -1195,7 +1195,7 @@
     </p:spTree>
     <p:extLst>
       <p:ext uri="{BB962C8B-B14F-4D97-AF65-F5344CB8AC3E}">
-        <p14:creationId xmlns="" xmlns:p14="http://schemas.microsoft.com/office/powerpoint/2010/main" val="1672049145"/>
+        <p14:creationId xmlns:p14="http://schemas.microsoft.com/office/powerpoint/2010/main" val="1672049145"/>
       </p:ext>
     </p:extLst>
   </p:cSld>
@@ -1512,7 +1512,7 @@
     </p:spTree>
     <p:extLst>
       <p:ext uri="{BB962C8B-B14F-4D97-AF65-F5344CB8AC3E}">
-        <p14:creationId xmlns="" xmlns:p14="http://schemas.microsoft.com/office/powerpoint/2010/main" val="940056784"/>
+        <p14:creationId xmlns:p14="http://schemas.microsoft.com/office/powerpoint/2010/main" val="940056784"/>
       </p:ext>
     </p:extLst>
   </p:cSld>
@@ -1621,7 +1621,7 @@
     </p:spTree>
     <p:extLst>
       <p:ext uri="{BB962C8B-B14F-4D97-AF65-F5344CB8AC3E}">
-        <p14:creationId xmlns="" xmlns:p14="http://schemas.microsoft.com/office/powerpoint/2010/main" val="3352771939"/>
+        <p14:creationId xmlns:p14="http://schemas.microsoft.com/office/powerpoint/2010/main" val="3352771939"/>
       </p:ext>
     </p:extLst>
   </p:cSld>
@@ -1730,7 +1730,7 @@
     </p:spTree>
     <p:extLst>
       <p:ext uri="{BB962C8B-B14F-4D97-AF65-F5344CB8AC3E}">
-        <p14:creationId xmlns="" xmlns:p14="http://schemas.microsoft.com/office/powerpoint/2010/main" val="3352771939"/>
+        <p14:creationId xmlns:p14="http://schemas.microsoft.com/office/powerpoint/2010/main" val="3352771939"/>
       </p:ext>
     </p:extLst>
   </p:cSld>
@@ -1839,7 +1839,7 @@
     </p:spTree>
     <p:extLst>
       <p:ext uri="{BB962C8B-B14F-4D97-AF65-F5344CB8AC3E}">
-        <p14:creationId xmlns="" xmlns:p14="http://schemas.microsoft.com/office/powerpoint/2010/main" val="3352771939"/>
+        <p14:creationId xmlns:p14="http://schemas.microsoft.com/office/powerpoint/2010/main" val="3352771939"/>
       </p:ext>
     </p:extLst>
   </p:cSld>
@@ -1948,7 +1948,7 @@
     </p:spTree>
     <p:extLst>
       <p:ext uri="{BB962C8B-B14F-4D97-AF65-F5344CB8AC3E}">
-        <p14:creationId xmlns="" xmlns:p14="http://schemas.microsoft.com/office/powerpoint/2010/main" val="3352771939"/>
+        <p14:creationId xmlns:p14="http://schemas.microsoft.com/office/powerpoint/2010/main" val="3352771939"/>
       </p:ext>
     </p:extLst>
   </p:cSld>
@@ -2161,7 +2161,7 @@
     </p:spTree>
     <p:extLst>
       <p:ext uri="{BB962C8B-B14F-4D97-AF65-F5344CB8AC3E}">
-        <p14:creationId xmlns="" xmlns:p14="http://schemas.microsoft.com/office/powerpoint/2010/main" val="3352771939"/>
+        <p14:creationId xmlns:p14="http://schemas.microsoft.com/office/powerpoint/2010/main" val="3352771939"/>
       </p:ext>
     </p:extLst>
   </p:cSld>
@@ -2270,7 +2270,7 @@
     </p:spTree>
     <p:extLst>
       <p:ext uri="{BB962C8B-B14F-4D97-AF65-F5344CB8AC3E}">
-        <p14:creationId xmlns="" xmlns:p14="http://schemas.microsoft.com/office/powerpoint/2010/main" val="3352771939"/>
+        <p14:creationId xmlns:p14="http://schemas.microsoft.com/office/powerpoint/2010/main" val="3352771939"/>
       </p:ext>
     </p:extLst>
   </p:cSld>
@@ -2379,7 +2379,7 @@
     </p:spTree>
     <p:extLst>
       <p:ext uri="{BB962C8B-B14F-4D97-AF65-F5344CB8AC3E}">
-        <p14:creationId xmlns="" xmlns:p14="http://schemas.microsoft.com/office/powerpoint/2010/main" val="1836869366"/>
+        <p14:creationId xmlns:p14="http://schemas.microsoft.com/office/powerpoint/2010/main" val="1836869366"/>
       </p:ext>
     </p:extLst>
   </p:cSld>
@@ -2592,7 +2592,7 @@
     </p:spTree>
     <p:extLst>
       <p:ext uri="{BB962C8B-B14F-4D97-AF65-F5344CB8AC3E}">
-        <p14:creationId xmlns="" xmlns:p14="http://schemas.microsoft.com/office/powerpoint/2010/main" val="1094642682"/>
+        <p14:creationId xmlns:p14="http://schemas.microsoft.com/office/powerpoint/2010/main" val="1094642682"/>
       </p:ext>
     </p:extLst>
   </p:cSld>
@@ -2701,7 +2701,7 @@
     </p:spTree>
     <p:extLst>
       <p:ext uri="{BB962C8B-B14F-4D97-AF65-F5344CB8AC3E}">
-        <p14:creationId xmlns="" xmlns:p14="http://schemas.microsoft.com/office/powerpoint/2010/main" val="1021492477"/>
+        <p14:creationId xmlns:p14="http://schemas.microsoft.com/office/powerpoint/2010/main" val="1021492477"/>
       </p:ext>
     </p:extLst>
   </p:cSld>
@@ -2810,7 +2810,7 @@
     </p:spTree>
     <p:extLst>
       <p:ext uri="{BB962C8B-B14F-4D97-AF65-F5344CB8AC3E}">
-        <p14:creationId xmlns="" xmlns:p14="http://schemas.microsoft.com/office/powerpoint/2010/main" val="1021492477"/>
+        <p14:creationId xmlns:p14="http://schemas.microsoft.com/office/powerpoint/2010/main" val="1021492477"/>
       </p:ext>
     </p:extLst>
   </p:cSld>
@@ -2919,7 +2919,7 @@
     </p:spTree>
     <p:extLst>
       <p:ext uri="{BB962C8B-B14F-4D97-AF65-F5344CB8AC3E}">
-        <p14:creationId xmlns="" xmlns:p14="http://schemas.microsoft.com/office/powerpoint/2010/main" val="1021492477"/>
+        <p14:creationId xmlns:p14="http://schemas.microsoft.com/office/powerpoint/2010/main" val="1021492477"/>
       </p:ext>
     </p:extLst>
   </p:cSld>
@@ -3028,7 +3028,7 @@
     </p:spTree>
     <p:extLst>
       <p:ext uri="{BB962C8B-B14F-4D97-AF65-F5344CB8AC3E}">
-        <p14:creationId xmlns="" xmlns:p14="http://schemas.microsoft.com/office/powerpoint/2010/main" val="2442246476"/>
+        <p14:creationId xmlns:p14="http://schemas.microsoft.com/office/powerpoint/2010/main" val="2442246476"/>
       </p:ext>
     </p:extLst>
   </p:cSld>
@@ -3137,7 +3137,7 @@
     </p:spTree>
     <p:extLst>
       <p:ext uri="{BB962C8B-B14F-4D97-AF65-F5344CB8AC3E}">
-        <p14:creationId xmlns="" xmlns:p14="http://schemas.microsoft.com/office/powerpoint/2010/main" val="3731729619"/>
+        <p14:creationId xmlns:p14="http://schemas.microsoft.com/office/powerpoint/2010/main" val="3731729619"/>
       </p:ext>
     </p:extLst>
   </p:cSld>
@@ -3246,7 +3246,7 @@
     </p:spTree>
     <p:extLst>
       <p:ext uri="{BB962C8B-B14F-4D97-AF65-F5344CB8AC3E}">
-        <p14:creationId xmlns="" xmlns:p14="http://schemas.microsoft.com/office/powerpoint/2010/main" val="3548652113"/>
+        <p14:creationId xmlns:p14="http://schemas.microsoft.com/office/powerpoint/2010/main" val="3548652113"/>
       </p:ext>
     </p:extLst>
   </p:cSld>
@@ -3355,7 +3355,7 @@
     </p:spTree>
     <p:extLst>
       <p:ext uri="{BB962C8B-B14F-4D97-AF65-F5344CB8AC3E}">
-        <p14:creationId xmlns="" xmlns:p14="http://schemas.microsoft.com/office/powerpoint/2010/main" val="1021492477"/>
+        <p14:creationId xmlns:p14="http://schemas.microsoft.com/office/powerpoint/2010/main" val="1021492477"/>
       </p:ext>
     </p:extLst>
   </p:cSld>
@@ -3464,7 +3464,7 @@
     </p:spTree>
     <p:extLst>
       <p:ext uri="{BB962C8B-B14F-4D97-AF65-F5344CB8AC3E}">
-        <p14:creationId xmlns="" xmlns:p14="http://schemas.microsoft.com/office/powerpoint/2010/main" val="1743090570"/>
+        <p14:creationId xmlns:p14="http://schemas.microsoft.com/office/powerpoint/2010/main" val="1743090570"/>
       </p:ext>
     </p:extLst>
   </p:cSld>
@@ -3573,7 +3573,7 @@
     </p:spTree>
     <p:extLst>
       <p:ext uri="{BB962C8B-B14F-4D97-AF65-F5344CB8AC3E}">
-        <p14:creationId xmlns="" xmlns:p14="http://schemas.microsoft.com/office/powerpoint/2010/main" val="1021492477"/>
+        <p14:creationId xmlns:p14="http://schemas.microsoft.com/office/powerpoint/2010/main" val="1021492477"/>
       </p:ext>
     </p:extLst>
   </p:cSld>
@@ -3682,7 +3682,7 @@
     </p:spTree>
     <p:extLst>
       <p:ext uri="{BB962C8B-B14F-4D97-AF65-F5344CB8AC3E}">
-        <p14:creationId xmlns="" xmlns:p14="http://schemas.microsoft.com/office/powerpoint/2010/main" val="623287825"/>
+        <p14:creationId xmlns:p14="http://schemas.microsoft.com/office/powerpoint/2010/main" val="623287825"/>
       </p:ext>
     </p:extLst>
   </p:cSld>
@@ -3791,7 +3791,7 @@
     </p:spTree>
     <p:extLst>
       <p:ext uri="{BB962C8B-B14F-4D97-AF65-F5344CB8AC3E}">
-        <p14:creationId xmlns="" xmlns:p14="http://schemas.microsoft.com/office/powerpoint/2010/main" val="1324911813"/>
+        <p14:creationId xmlns:p14="http://schemas.microsoft.com/office/powerpoint/2010/main" val="1324911813"/>
       </p:ext>
     </p:extLst>
   </p:cSld>
@@ -3900,7 +3900,7 @@
     </p:spTree>
     <p:extLst>
       <p:ext uri="{BB962C8B-B14F-4D97-AF65-F5344CB8AC3E}">
-        <p14:creationId xmlns="" xmlns:p14="http://schemas.microsoft.com/office/powerpoint/2010/main" val="3020616377"/>
+        <p14:creationId xmlns:p14="http://schemas.microsoft.com/office/powerpoint/2010/main" val="3020616377"/>
       </p:ext>
     </p:extLst>
   </p:cSld>
@@ -4009,7 +4009,7 @@
     </p:spTree>
     <p:extLst>
       <p:ext uri="{BB962C8B-B14F-4D97-AF65-F5344CB8AC3E}">
-        <p14:creationId xmlns="" xmlns:p14="http://schemas.microsoft.com/office/powerpoint/2010/main" val="2087147400"/>
+        <p14:creationId xmlns:p14="http://schemas.microsoft.com/office/powerpoint/2010/main" val="2087147400"/>
       </p:ext>
     </p:extLst>
   </p:cSld>
@@ -4118,7 +4118,7 @@
     </p:spTree>
     <p:extLst>
       <p:ext uri="{BB962C8B-B14F-4D97-AF65-F5344CB8AC3E}">
-        <p14:creationId xmlns="" xmlns:p14="http://schemas.microsoft.com/office/powerpoint/2010/main" val="3020616377"/>
+        <p14:creationId xmlns:p14="http://schemas.microsoft.com/office/powerpoint/2010/main" val="3020616377"/>
       </p:ext>
     </p:extLst>
   </p:cSld>
@@ -4227,7 +4227,7 @@
     </p:spTree>
     <p:extLst>
       <p:ext uri="{BB962C8B-B14F-4D97-AF65-F5344CB8AC3E}">
-        <p14:creationId xmlns="" xmlns:p14="http://schemas.microsoft.com/office/powerpoint/2010/main" val="946316216"/>
+        <p14:creationId xmlns:p14="http://schemas.microsoft.com/office/powerpoint/2010/main" val="946316216"/>
       </p:ext>
     </p:extLst>
   </p:cSld>
@@ -4336,7 +4336,7 @@
     </p:spTree>
     <p:extLst>
       <p:ext uri="{BB962C8B-B14F-4D97-AF65-F5344CB8AC3E}">
-        <p14:creationId xmlns="" xmlns:p14="http://schemas.microsoft.com/office/powerpoint/2010/main" val="946316216"/>
+        <p14:creationId xmlns:p14="http://schemas.microsoft.com/office/powerpoint/2010/main" val="946316216"/>
       </p:ext>
     </p:extLst>
   </p:cSld>
@@ -4445,7 +4445,7 @@
     </p:spTree>
     <p:extLst>
       <p:ext uri="{BB962C8B-B14F-4D97-AF65-F5344CB8AC3E}">
-        <p14:creationId xmlns="" xmlns:p14="http://schemas.microsoft.com/office/powerpoint/2010/main" val="2591893246"/>
+        <p14:creationId xmlns:p14="http://schemas.microsoft.com/office/powerpoint/2010/main" val="2591893246"/>
       </p:ext>
     </p:extLst>
   </p:cSld>
@@ -5074,7 +5074,7 @@
     </p:spTree>
     <p:extLst>
       <p:ext uri="{BB962C8B-B14F-4D97-AF65-F5344CB8AC3E}">
-        <p14:creationId xmlns:p14="http://schemas.microsoft.com/office/powerpoint/2010/main" xmlns="" val="69398223"/>
+        <p14:creationId xmlns:p14="http://schemas.microsoft.com/office/powerpoint/2010/main" val="1640002416"/>
       </p:ext>
     </p:extLst>
   </p:cSld>
@@ -9087,7 +9087,7 @@
   </p:clrMapOvr>
   <p:extLst>
     <p:ext uri="{DCECCB84-F9BA-43D5-87BE-67443E8EF086}">
-      <p15:sldGuideLst xmlns="" xmlns:p15="http://schemas.microsoft.com/office/powerpoint/2012/main">
+      <p15:sldGuideLst xmlns:p15="http://schemas.microsoft.com/office/powerpoint/2012/main">
         <p15:guide id="1" pos="397">
           <p15:clr>
             <a:srgbClr val="FA7B17"/>
@@ -12281,7 +12281,7 @@
     </p:spTree>
     <p:extLst>
       <p:ext uri="{BB962C8B-B14F-4D97-AF65-F5344CB8AC3E}">
-        <p14:creationId xmlns="" xmlns:p14="http://schemas.microsoft.com/office/powerpoint/2010/main" val="4136653412"/>
+        <p14:creationId xmlns:p14="http://schemas.microsoft.com/office/powerpoint/2010/main" val="4136653412"/>
       </p:ext>
     </p:extLst>
   </p:cSld>
@@ -12389,14 +12389,14 @@
       </p:sp>
       <p:sp>
         <p:nvSpPr>
-          <p:cNvPr id="5" name="Прямоугольник 4"/>
+          <p:cNvPr id="7" name="Прямоугольник 6"/>
           <p:cNvSpPr/>
           <p:nvPr/>
         </p:nvSpPr>
         <p:spPr>
           <a:xfrm>
-            <a:off x="6039768" y="1164170"/>
-            <a:ext cx="2177220" cy="1384995"/>
+            <a:off x="578593" y="1164170"/>
+            <a:ext cx="4365473" cy="3139321"/>
           </a:xfrm>
           <a:prstGeom prst="rect">
             <a:avLst/>
@@ -12409,930 +12409,132 @@
           <a:lstStyle/>
           <a:p>
             <a:r>
-              <a:rPr lang="ru-RU" sz="1200" dirty="0" smtClean="0">
-                <a:solidFill>
-                  <a:schemeClr val="tx1"/>
-                </a:solidFill>
-                <a:latin typeface="+mj-lt"/>
-              </a:rPr>
-              <a:t>Код </a:t>
-            </a:r>
-            <a:r>
-              <a:rPr lang="en-US" sz="1200" dirty="0" smtClean="0">
-                <a:solidFill>
-                  <a:schemeClr val="tx1"/>
-                </a:solidFill>
-                <a:latin typeface="+mj-lt"/>
-              </a:rPr>
-              <a:t>C:</a:t>
-            </a:r>
-            <a:endParaRPr lang="ru-RU" sz="1200" dirty="0" smtClean="0">
-              <a:solidFill>
-                <a:schemeClr val="tx1"/>
-              </a:solidFill>
-              <a:latin typeface="+mj-lt"/>
-            </a:endParaRPr>
-          </a:p>
-          <a:p>
-            <a:r>
-              <a:rPr lang="en-US" sz="1200" dirty="0" err="1" smtClean="0">
-                <a:solidFill>
-                  <a:srgbClr val="0000FF"/>
-                </a:solidFill>
-                <a:latin typeface="Consolas" panose="020B0609020204030204" pitchFamily="49" charset="0"/>
-              </a:rPr>
-              <a:t>int</a:t>
-            </a:r>
-            <a:r>
-              <a:rPr lang="en-US" sz="1200" dirty="0" smtClean="0">
-                <a:latin typeface="Consolas" panose="020B0609020204030204" pitchFamily="49" charset="0"/>
-              </a:rPr>
+              <a:rPr lang="ru-RU" sz="1200" dirty="0" smtClean="0"/>
+              <a:t>Процедурное </a:t>
+            </a:r>
+            <a:r>
+              <a:rPr lang="ru-RU" sz="1200" dirty="0"/>
+              <a:t>программирование хорошо подходит для легких программ без сложной структуры. Но если блоки кода большие, а функций сотни, придется редактировать каждую из них, продумывать новую логику. В результате может образоваться много плохо читаемого, перемешанного кода — «спагетти-кода» или «лапши</a:t>
+            </a:r>
+            <a:r>
+              <a:rPr lang="ru-RU" sz="1200" dirty="0" smtClean="0"/>
+              <a:t>».</a:t>
+            </a:r>
+            <a:endParaRPr lang="en-US" sz="1200" dirty="0" smtClean="0"/>
+          </a:p>
+          <a:p>
+            <a:endParaRPr lang="en-US" sz="1200" dirty="0"/>
+          </a:p>
+          <a:p>
+            <a:r>
+              <a:rPr lang="ru-RU" sz="1200" dirty="0"/>
+              <a:t>Минусы использования функционального программирования </a:t>
+            </a:r>
+            <a:r>
+              <a:rPr lang="ru-RU" sz="1200" b="1" dirty="0"/>
+              <a:t>для крупных проектов</a:t>
+            </a:r>
+            <a:r>
+              <a:rPr lang="ru-RU" sz="1200" dirty="0"/>
+              <a:t>:</a:t>
+            </a:r>
+          </a:p>
+          <a:p>
+            <a:pPr marL="342900" indent="-342900">
+              <a:buAutoNum type="arabicPeriod"/>
+            </a:pPr>
+            <a:r>
+              <a:rPr lang="ru-RU" sz="1200" dirty="0"/>
+              <a:t>Сложно управлять кодом в виду того, что</a:t>
+            </a:r>
+            <a:r>
+              <a:rPr lang="en-US" sz="1200" dirty="0"/>
               <a:t> </a:t>
             </a:r>
             <a:r>
-              <a:rPr lang="en-US" sz="1200" dirty="0">
-                <a:solidFill>
-                  <a:srgbClr val="795E26"/>
-                </a:solidFill>
-                <a:latin typeface="Consolas" panose="020B0609020204030204" pitchFamily="49" charset="0"/>
-              </a:rPr>
-              <a:t>main</a:t>
-            </a:r>
-            <a:r>
-              <a:rPr lang="en-US" sz="1200" dirty="0">
-                <a:latin typeface="Consolas" panose="020B0609020204030204" pitchFamily="49" charset="0"/>
-              </a:rPr>
-              <a:t>() </a:t>
-            </a:r>
-            <a:r>
-              <a:rPr lang="en-US" sz="1200" dirty="0" smtClean="0">
-                <a:latin typeface="Consolas" panose="020B0609020204030204" pitchFamily="49" charset="0"/>
-              </a:rPr>
-              <a:t>{</a:t>
-            </a:r>
-            <a:r>
-              <a:rPr lang="en-US" sz="1200" dirty="0">
-                <a:latin typeface="Consolas" panose="020B0609020204030204" pitchFamily="49" charset="0"/>
-              </a:rPr>
-              <a:t/>
-            </a:r>
-            <a:br>
-              <a:rPr lang="en-US" sz="1200" dirty="0">
-                <a:latin typeface="Consolas" panose="020B0609020204030204" pitchFamily="49" charset="0"/>
-              </a:rPr>
-            </a:br>
-            <a:r>
-              <a:rPr lang="en-US" sz="1200" dirty="0">
-                <a:latin typeface="Consolas" panose="020B0609020204030204" pitchFamily="49" charset="0"/>
-              </a:rPr>
-              <a:t>    </a:t>
-            </a:r>
-            <a:r>
-              <a:rPr lang="en-US" sz="1200" dirty="0" err="1">
-                <a:solidFill>
-                  <a:srgbClr val="0000FF"/>
-                </a:solidFill>
-                <a:latin typeface="Consolas" panose="020B0609020204030204" pitchFamily="49" charset="0"/>
-              </a:rPr>
-              <a:t>int</a:t>
-            </a:r>
-            <a:r>
-              <a:rPr lang="en-US" sz="1200" dirty="0">
-                <a:latin typeface="Consolas" panose="020B0609020204030204" pitchFamily="49" charset="0"/>
-              </a:rPr>
-              <a:t> a = </a:t>
-            </a:r>
-            <a:r>
-              <a:rPr lang="en-US" sz="1200" dirty="0">
-                <a:solidFill>
-                  <a:srgbClr val="098658"/>
-                </a:solidFill>
-                <a:latin typeface="Consolas" panose="020B0609020204030204" pitchFamily="49" charset="0"/>
-              </a:rPr>
-              <a:t>6</a:t>
-            </a:r>
-            <a:r>
-              <a:rPr lang="en-US" sz="1200" dirty="0">
-                <a:latin typeface="Consolas" panose="020B0609020204030204" pitchFamily="49" charset="0"/>
-              </a:rPr>
-              <a:t>;</a:t>
-            </a:r>
-          </a:p>
-          <a:p>
-            <a:r>
-              <a:rPr lang="en-US" sz="1200" dirty="0">
-                <a:latin typeface="Consolas" panose="020B0609020204030204" pitchFamily="49" charset="0"/>
-              </a:rPr>
-              <a:t>    </a:t>
-            </a:r>
-            <a:r>
-              <a:rPr lang="en-US" sz="1200" dirty="0" err="1">
-                <a:solidFill>
-                  <a:srgbClr val="0000FF"/>
-                </a:solidFill>
-                <a:latin typeface="Consolas" panose="020B0609020204030204" pitchFamily="49" charset="0"/>
-              </a:rPr>
-              <a:t>int</a:t>
-            </a:r>
-            <a:r>
-              <a:rPr lang="en-US" sz="1200" dirty="0">
-                <a:latin typeface="Consolas" panose="020B0609020204030204" pitchFamily="49" charset="0"/>
-              </a:rPr>
-              <a:t> b = </a:t>
-            </a:r>
-            <a:r>
-              <a:rPr lang="en-US" sz="1200" dirty="0">
-                <a:solidFill>
-                  <a:srgbClr val="098658"/>
-                </a:solidFill>
-                <a:latin typeface="Consolas" panose="020B0609020204030204" pitchFamily="49" charset="0"/>
-              </a:rPr>
-              <a:t>8</a:t>
-            </a:r>
-            <a:r>
-              <a:rPr lang="en-US" sz="1200" dirty="0">
-                <a:latin typeface="Consolas" panose="020B0609020204030204" pitchFamily="49" charset="0"/>
-              </a:rPr>
-              <a:t>;</a:t>
-            </a:r>
-          </a:p>
-          <a:p>
-            <a:r>
-              <a:rPr lang="en-US" sz="1200" dirty="0">
-                <a:latin typeface="Consolas" panose="020B0609020204030204" pitchFamily="49" charset="0"/>
-              </a:rPr>
-              <a:t>    </a:t>
-            </a:r>
-            <a:r>
-              <a:rPr lang="en-US" sz="1200" dirty="0" err="1">
-                <a:solidFill>
-                  <a:srgbClr val="0000FF"/>
-                </a:solidFill>
-                <a:latin typeface="Consolas" panose="020B0609020204030204" pitchFamily="49" charset="0"/>
-              </a:rPr>
-              <a:t>int</a:t>
-            </a:r>
-            <a:r>
-              <a:rPr lang="en-US" sz="1200" dirty="0">
-                <a:latin typeface="Consolas" panose="020B0609020204030204" pitchFamily="49" charset="0"/>
-              </a:rPr>
-              <a:t> sum = a + b;</a:t>
-            </a:r>
-          </a:p>
-          <a:p>
-            <a:r>
-              <a:rPr lang="en-US" sz="1200" dirty="0">
-                <a:latin typeface="Consolas" panose="020B0609020204030204" pitchFamily="49" charset="0"/>
-              </a:rPr>
-              <a:t>    </a:t>
-            </a:r>
-            <a:r>
-              <a:rPr lang="en-US" sz="1200" dirty="0">
-                <a:solidFill>
-                  <a:srgbClr val="AF00DB"/>
-                </a:solidFill>
-                <a:latin typeface="Consolas" panose="020B0609020204030204" pitchFamily="49" charset="0"/>
-              </a:rPr>
-              <a:t>return</a:t>
-            </a:r>
-            <a:r>
-              <a:rPr lang="en-US" sz="1200" dirty="0">
-                <a:latin typeface="Consolas" panose="020B0609020204030204" pitchFamily="49" charset="0"/>
-              </a:rPr>
-              <a:t> </a:t>
-            </a:r>
-            <a:r>
-              <a:rPr lang="en-US" sz="1200" dirty="0">
-                <a:solidFill>
-                  <a:srgbClr val="098658"/>
-                </a:solidFill>
-                <a:latin typeface="Consolas" panose="020B0609020204030204" pitchFamily="49" charset="0"/>
-              </a:rPr>
-              <a:t>0</a:t>
-            </a:r>
-            <a:r>
-              <a:rPr lang="en-US" sz="1200" dirty="0">
-                <a:latin typeface="Consolas" panose="020B0609020204030204" pitchFamily="49" charset="0"/>
-              </a:rPr>
-              <a:t>;</a:t>
-            </a:r>
-          </a:p>
-          <a:p>
-            <a:r>
-              <a:rPr lang="en-US" sz="1200" dirty="0">
-                <a:latin typeface="Consolas" panose="020B0609020204030204" pitchFamily="49" charset="0"/>
-              </a:rPr>
-              <a:t>}</a:t>
-            </a:r>
+              <a:rPr lang="ru-RU" sz="1200" dirty="0"/>
+              <a:t>становится сложно декомпозировать код.</a:t>
+            </a:r>
+          </a:p>
+          <a:p>
+            <a:pPr marL="342900" indent="-342900">
+              <a:buAutoNum type="arabicPeriod"/>
+            </a:pPr>
+            <a:r>
+              <a:rPr lang="ru-RU" sz="1200" dirty="0"/>
+              <a:t>Отсутствовала инкапсуляция, в виду этого была нарушена связь между кодом и данными.</a:t>
+            </a:r>
+          </a:p>
+          <a:p>
+            <a:pPr marL="342900" indent="-342900">
+              <a:buAutoNum type="arabicPeriod"/>
+            </a:pPr>
+            <a:r>
+              <a:rPr lang="ru-RU" sz="1200" dirty="0"/>
+              <a:t>Необходимо было копировать код и, как следствие, его дублировать.</a:t>
+            </a:r>
+          </a:p>
+          <a:p>
+            <a:endParaRPr lang="en-US" sz="1200" dirty="0" smtClean="0"/>
           </a:p>
         </p:txBody>
       </p:sp>
-      <p:sp>
-        <p:nvSpPr>
-          <p:cNvPr id="7" name="Прямоугольник 6"/>
-          <p:cNvSpPr/>
+      <p:pic>
+        <p:nvPicPr>
+          <p:cNvPr id="1026" name="Picture 2" descr="ООП спагетти-код"/>
+          <p:cNvPicPr>
+            <a:picLocks noChangeAspect="1" noChangeArrowheads="1"/>
+          </p:cNvPicPr>
           <p:nvPr/>
-        </p:nvSpPr>
-        <p:spPr>
+        </p:nvPicPr>
+        <p:blipFill>
+          <a:blip r:embed="rId3">
+            <a:extLst>
+              <a:ext uri="{28A0092B-C50C-407E-A947-70E740481C1C}">
+                <a14:useLocalDpi xmlns:a14="http://schemas.microsoft.com/office/drawing/2010/main" val="0"/>
+              </a:ext>
+            </a:extLst>
+          </a:blip>
+          <a:srcRect/>
+          <a:stretch>
+            <a:fillRect/>
+          </a:stretch>
+        </p:blipFill>
+        <p:spPr bwMode="auto">
           <a:xfrm>
-            <a:off x="578593" y="1164170"/>
-            <a:ext cx="4330786" cy="1015663"/>
-          </a:xfrm>
-          <a:prstGeom prst="rect">
-            <a:avLst/>
-          </a:prstGeom>
-        </p:spPr>
-        <p:txBody>
-          <a:bodyPr wrap="square">
-            <a:spAutoFit/>
-          </a:bodyPr>
-          <a:lstStyle/>
-          <a:p>
-            <a:r>
-              <a:rPr lang="ru-RU" sz="1200" dirty="0" smtClean="0">
-                <a:solidFill>
-                  <a:schemeClr val="tx1"/>
-                </a:solidFill>
-              </a:rPr>
-              <a:t>Код ассемблера:</a:t>
-            </a:r>
-          </a:p>
-          <a:p>
-            <a:r>
-              <a:rPr lang="ru-RU" sz="1200" dirty="0" err="1" smtClean="0">
-                <a:solidFill>
-                  <a:schemeClr val="accent1">
-                    <a:lumMod val="75000"/>
-                  </a:schemeClr>
-                </a:solidFill>
-                <a:latin typeface="Consolas" panose="020B0609020204030204" pitchFamily="49" charset="0"/>
-              </a:rPr>
-              <a:t>mov</a:t>
-            </a:r>
-            <a:r>
-              <a:rPr lang="ru-RU" sz="1200" dirty="0" smtClean="0">
-                <a:solidFill>
-                  <a:schemeClr val="accent1">
-                    <a:lumMod val="50000"/>
-                  </a:schemeClr>
-                </a:solidFill>
-                <a:latin typeface="Consolas" panose="020B0609020204030204" pitchFamily="49" charset="0"/>
-              </a:rPr>
-              <a:t> </a:t>
-            </a:r>
-            <a:r>
-              <a:rPr lang="ru-RU" sz="1200" dirty="0" err="1">
-                <a:solidFill>
-                  <a:srgbClr val="FF0000"/>
-                </a:solidFill>
-                <a:latin typeface="Consolas" panose="020B0609020204030204" pitchFamily="49" charset="0"/>
-              </a:rPr>
-              <a:t>ax</a:t>
-            </a:r>
-            <a:r>
-              <a:rPr lang="ru-RU" sz="1200" dirty="0">
-                <a:solidFill>
-                  <a:schemeClr val="tx1"/>
-                </a:solidFill>
-                <a:latin typeface="Consolas" panose="020B0609020204030204" pitchFamily="49" charset="0"/>
-              </a:rPr>
-              <a:t>,</a:t>
-            </a:r>
-            <a:r>
-              <a:rPr lang="ru-RU" sz="1200" dirty="0">
-                <a:solidFill>
-                  <a:schemeClr val="accent1">
-                    <a:lumMod val="50000"/>
-                  </a:schemeClr>
-                </a:solidFill>
-                <a:latin typeface="Consolas" panose="020B0609020204030204" pitchFamily="49" charset="0"/>
-              </a:rPr>
-              <a:t> </a:t>
-            </a:r>
-            <a:r>
-              <a:rPr lang="ru-RU" sz="1200" dirty="0" smtClean="0">
-                <a:solidFill>
-                  <a:schemeClr val="accent1">
-                    <a:lumMod val="50000"/>
-                  </a:schemeClr>
-                </a:solidFill>
-                <a:latin typeface="Consolas" panose="020B0609020204030204" pitchFamily="49" charset="0"/>
-              </a:rPr>
-              <a:t>0</a:t>
-            </a:r>
-            <a:r>
-              <a:rPr lang="en-US" sz="1200" dirty="0" smtClean="0">
-                <a:solidFill>
-                  <a:schemeClr val="accent1">
-                    <a:lumMod val="50000"/>
-                  </a:schemeClr>
-                </a:solidFill>
-                <a:latin typeface="Consolas" panose="020B0609020204030204" pitchFamily="49" charset="0"/>
-              </a:rPr>
-              <a:t>x6h</a:t>
-            </a:r>
-            <a:r>
-              <a:rPr lang="ru-RU" sz="1200" dirty="0" smtClean="0">
-                <a:solidFill>
-                  <a:schemeClr val="accent1">
-                    <a:lumMod val="50000"/>
-                  </a:schemeClr>
-                </a:solidFill>
-                <a:latin typeface="Consolas" panose="020B0609020204030204" pitchFamily="49" charset="0"/>
-              </a:rPr>
-              <a:t>  </a:t>
-            </a:r>
-            <a:r>
-              <a:rPr lang="en-US" sz="1200" dirty="0" smtClean="0">
-                <a:latin typeface="Consolas" panose="020B0609020204030204" pitchFamily="49" charset="0"/>
-              </a:rPr>
-              <a:t>	</a:t>
-            </a:r>
-            <a:r>
-              <a:rPr lang="en-US" sz="1200" dirty="0" smtClean="0">
-                <a:solidFill>
-                  <a:srgbClr val="7030A0"/>
-                </a:solidFill>
-                <a:latin typeface="Consolas" panose="020B0609020204030204" pitchFamily="49" charset="0"/>
-              </a:rPr>
-              <a:t>; </a:t>
-            </a:r>
-            <a:r>
-              <a:rPr lang="ru-RU" sz="1200" dirty="0" smtClean="0">
-                <a:solidFill>
-                  <a:srgbClr val="7030A0"/>
-                </a:solidFill>
-                <a:latin typeface="Consolas" panose="020B0609020204030204" pitchFamily="49" charset="0"/>
-              </a:rPr>
-              <a:t>заносим в А</a:t>
-            </a:r>
-            <a:r>
-              <a:rPr lang="en-US" sz="1200" dirty="0" smtClean="0">
-                <a:solidFill>
-                  <a:srgbClr val="7030A0"/>
-                </a:solidFill>
-                <a:latin typeface="Consolas" panose="020B0609020204030204" pitchFamily="49" charset="0"/>
-              </a:rPr>
-              <a:t>X</a:t>
-            </a:r>
-            <a:r>
-              <a:rPr lang="ru-RU" sz="1200" dirty="0" smtClean="0">
-                <a:solidFill>
-                  <a:srgbClr val="7030A0"/>
-                </a:solidFill>
-                <a:latin typeface="Consolas" panose="020B0609020204030204" pitchFamily="49" charset="0"/>
-              </a:rPr>
-              <a:t> число 6</a:t>
-            </a:r>
-            <a:endParaRPr lang="ru-RU" sz="1200" dirty="0">
-              <a:solidFill>
-                <a:srgbClr val="7030A0"/>
-              </a:solidFill>
-              <a:latin typeface="Consolas" panose="020B0609020204030204" pitchFamily="49" charset="0"/>
-            </a:endParaRPr>
-          </a:p>
-          <a:p>
-            <a:r>
-              <a:rPr lang="ru-RU" sz="1200" dirty="0" err="1">
-                <a:solidFill>
-                  <a:schemeClr val="accent1">
-                    <a:lumMod val="75000"/>
-                  </a:schemeClr>
-                </a:solidFill>
-                <a:latin typeface="Consolas" panose="020B0609020204030204" pitchFamily="49" charset="0"/>
-              </a:rPr>
-              <a:t>mov</a:t>
-            </a:r>
-            <a:r>
-              <a:rPr lang="ru-RU" sz="1200" dirty="0">
-                <a:solidFill>
-                  <a:schemeClr val="accent1">
-                    <a:lumMod val="50000"/>
-                  </a:schemeClr>
-                </a:solidFill>
-                <a:latin typeface="Consolas" panose="020B0609020204030204" pitchFamily="49" charset="0"/>
-              </a:rPr>
-              <a:t> </a:t>
-            </a:r>
-            <a:r>
-              <a:rPr lang="ru-RU" sz="1200" dirty="0" err="1">
-                <a:solidFill>
-                  <a:srgbClr val="FF0000"/>
-                </a:solidFill>
-                <a:latin typeface="Consolas" panose="020B0609020204030204" pitchFamily="49" charset="0"/>
-              </a:rPr>
-              <a:t>cx</a:t>
-            </a:r>
-            <a:r>
-              <a:rPr lang="ru-RU" sz="1200" dirty="0">
-                <a:solidFill>
-                  <a:schemeClr val="tx1"/>
-                </a:solidFill>
-                <a:latin typeface="Consolas" panose="020B0609020204030204" pitchFamily="49" charset="0"/>
-              </a:rPr>
-              <a:t>,</a:t>
-            </a:r>
-            <a:r>
-              <a:rPr lang="ru-RU" sz="1200" dirty="0">
-                <a:solidFill>
-                  <a:schemeClr val="accent1">
-                    <a:lumMod val="50000"/>
-                  </a:schemeClr>
-                </a:solidFill>
-                <a:latin typeface="Consolas" panose="020B0609020204030204" pitchFamily="49" charset="0"/>
-              </a:rPr>
-              <a:t> </a:t>
-            </a:r>
-            <a:r>
-              <a:rPr lang="en-US" sz="1200" dirty="0" smtClean="0">
-                <a:solidFill>
-                  <a:schemeClr val="accent1">
-                    <a:lumMod val="50000"/>
-                  </a:schemeClr>
-                </a:solidFill>
-                <a:latin typeface="Consolas" panose="020B0609020204030204" pitchFamily="49" charset="0"/>
-              </a:rPr>
-              <a:t>0x</a:t>
-            </a:r>
-            <a:r>
-              <a:rPr lang="ru-RU" sz="1200" dirty="0" smtClean="0">
-                <a:solidFill>
-                  <a:schemeClr val="accent1">
-                    <a:lumMod val="50000"/>
-                  </a:schemeClr>
-                </a:solidFill>
-                <a:latin typeface="Consolas" panose="020B0609020204030204" pitchFamily="49" charset="0"/>
-              </a:rPr>
-              <a:t>8</a:t>
-            </a:r>
-            <a:r>
-              <a:rPr lang="en-US" sz="1200" dirty="0" smtClean="0">
-                <a:solidFill>
-                  <a:schemeClr val="accent1">
-                    <a:lumMod val="50000"/>
-                  </a:schemeClr>
-                </a:solidFill>
-                <a:latin typeface="Consolas" panose="020B0609020204030204" pitchFamily="49" charset="0"/>
-              </a:rPr>
-              <a:t>h</a:t>
-            </a:r>
-            <a:r>
-              <a:rPr lang="en-US" sz="1200" dirty="0" smtClean="0">
-                <a:latin typeface="Consolas" panose="020B0609020204030204" pitchFamily="49" charset="0"/>
-              </a:rPr>
-              <a:t>	</a:t>
-            </a:r>
-            <a:r>
-              <a:rPr lang="en-US" sz="1200" dirty="0" smtClean="0">
-                <a:solidFill>
-                  <a:srgbClr val="7030A0"/>
-                </a:solidFill>
-                <a:latin typeface="Consolas" panose="020B0609020204030204" pitchFamily="49" charset="0"/>
-              </a:rPr>
-              <a:t>;</a:t>
-            </a:r>
-            <a:r>
-              <a:rPr lang="ru-RU" sz="1200" dirty="0" smtClean="0">
-                <a:solidFill>
-                  <a:srgbClr val="7030A0"/>
-                </a:solidFill>
-                <a:latin typeface="Consolas" panose="020B0609020204030204" pitchFamily="49" charset="0"/>
-              </a:rPr>
-              <a:t> </a:t>
-            </a:r>
-            <a:r>
-              <a:rPr lang="ru-RU" sz="1200" dirty="0">
-                <a:solidFill>
-                  <a:srgbClr val="7030A0"/>
-                </a:solidFill>
-                <a:latin typeface="Consolas" panose="020B0609020204030204" pitchFamily="49" charset="0"/>
-              </a:rPr>
-              <a:t>заносим в </a:t>
-            </a:r>
-            <a:r>
-              <a:rPr lang="ru-RU" sz="1200" dirty="0" smtClean="0">
-                <a:solidFill>
-                  <a:srgbClr val="7030A0"/>
-                </a:solidFill>
-                <a:latin typeface="Consolas" panose="020B0609020204030204" pitchFamily="49" charset="0"/>
-              </a:rPr>
-              <a:t>А</a:t>
-            </a:r>
-            <a:r>
-              <a:rPr lang="en-US" sz="1200" dirty="0" smtClean="0">
-                <a:solidFill>
-                  <a:srgbClr val="7030A0"/>
-                </a:solidFill>
-                <a:latin typeface="Consolas" panose="020B0609020204030204" pitchFamily="49" charset="0"/>
-              </a:rPr>
-              <a:t>X</a:t>
-            </a:r>
-            <a:r>
-              <a:rPr lang="ru-RU" sz="1200" dirty="0" smtClean="0">
-                <a:solidFill>
-                  <a:srgbClr val="7030A0"/>
-                </a:solidFill>
-                <a:latin typeface="Consolas" panose="020B0609020204030204" pitchFamily="49" charset="0"/>
-              </a:rPr>
-              <a:t> </a:t>
-            </a:r>
-            <a:r>
-              <a:rPr lang="ru-RU" sz="1200" dirty="0">
-                <a:solidFill>
-                  <a:srgbClr val="7030A0"/>
-                </a:solidFill>
-                <a:latin typeface="Consolas" panose="020B0609020204030204" pitchFamily="49" charset="0"/>
-              </a:rPr>
-              <a:t>число </a:t>
-            </a:r>
-            <a:r>
-              <a:rPr lang="ru-RU" sz="1200" dirty="0" smtClean="0">
-                <a:solidFill>
-                  <a:srgbClr val="7030A0"/>
-                </a:solidFill>
-                <a:latin typeface="Consolas" panose="020B0609020204030204" pitchFamily="49" charset="0"/>
-              </a:rPr>
-              <a:t>8</a:t>
-            </a:r>
-            <a:endParaRPr lang="ru-RU" sz="1200" dirty="0">
-              <a:solidFill>
-                <a:srgbClr val="7030A0"/>
-              </a:solidFill>
-              <a:latin typeface="Consolas" panose="020B0609020204030204" pitchFamily="49" charset="0"/>
-            </a:endParaRPr>
-          </a:p>
-          <a:p>
-            <a:r>
-              <a:rPr lang="ru-RU" sz="1200" dirty="0" err="1">
-                <a:solidFill>
-                  <a:schemeClr val="accent1">
-                    <a:lumMod val="75000"/>
-                  </a:schemeClr>
-                </a:solidFill>
-                <a:latin typeface="Consolas" panose="020B0609020204030204" pitchFamily="49" charset="0"/>
-              </a:rPr>
-              <a:t>mov</a:t>
-            </a:r>
-            <a:r>
-              <a:rPr lang="ru-RU" sz="1200" dirty="0">
-                <a:solidFill>
-                  <a:schemeClr val="accent1">
-                    <a:lumMod val="50000"/>
-                  </a:schemeClr>
-                </a:solidFill>
-                <a:latin typeface="Consolas" panose="020B0609020204030204" pitchFamily="49" charset="0"/>
-              </a:rPr>
-              <a:t> </a:t>
-            </a:r>
-            <a:r>
-              <a:rPr lang="ru-RU" sz="1200" dirty="0" err="1">
-                <a:solidFill>
-                  <a:srgbClr val="FF0000"/>
-                </a:solidFill>
-                <a:latin typeface="Consolas" panose="020B0609020204030204" pitchFamily="49" charset="0"/>
-              </a:rPr>
-              <a:t>dx</a:t>
-            </a:r>
-            <a:r>
-              <a:rPr lang="ru-RU" sz="1200" dirty="0">
-                <a:solidFill>
-                  <a:schemeClr val="tx1"/>
-                </a:solidFill>
-                <a:latin typeface="Consolas" panose="020B0609020204030204" pitchFamily="49" charset="0"/>
-              </a:rPr>
-              <a:t>,</a:t>
-            </a:r>
-            <a:r>
-              <a:rPr lang="ru-RU" sz="1200" dirty="0">
-                <a:solidFill>
-                  <a:schemeClr val="accent1">
-                    <a:lumMod val="50000"/>
-                  </a:schemeClr>
-                </a:solidFill>
-                <a:latin typeface="Consolas" panose="020B0609020204030204" pitchFamily="49" charset="0"/>
-              </a:rPr>
-              <a:t> </a:t>
-            </a:r>
-            <a:r>
-              <a:rPr lang="ru-RU" sz="1200" dirty="0" err="1" smtClean="0">
-                <a:solidFill>
-                  <a:srgbClr val="FF0000"/>
-                </a:solidFill>
-                <a:latin typeface="Consolas" panose="020B0609020204030204" pitchFamily="49" charset="0"/>
-              </a:rPr>
-              <a:t>cx</a:t>
-            </a:r>
-            <a:r>
-              <a:rPr lang="en-US" sz="1200" dirty="0" smtClean="0">
-                <a:latin typeface="Consolas" panose="020B0609020204030204" pitchFamily="49" charset="0"/>
-              </a:rPr>
-              <a:t>		</a:t>
-            </a:r>
-            <a:r>
-              <a:rPr lang="en-US" sz="1200" dirty="0" smtClean="0">
-                <a:solidFill>
-                  <a:srgbClr val="7030A0"/>
-                </a:solidFill>
-                <a:latin typeface="Consolas" panose="020B0609020204030204" pitchFamily="49" charset="0"/>
-              </a:rPr>
-              <a:t>; </a:t>
-            </a:r>
-            <a:r>
-              <a:rPr lang="ru-RU" sz="1200" dirty="0" smtClean="0">
-                <a:solidFill>
-                  <a:srgbClr val="7030A0"/>
-                </a:solidFill>
-                <a:latin typeface="Consolas" panose="020B0609020204030204" pitchFamily="49" charset="0"/>
-              </a:rPr>
-              <a:t>копируем </a:t>
-            </a:r>
-            <a:r>
-              <a:rPr lang="en-US" sz="1200" dirty="0" smtClean="0">
-                <a:solidFill>
-                  <a:srgbClr val="7030A0"/>
-                </a:solidFill>
-                <a:latin typeface="Consolas" panose="020B0609020204030204" pitchFamily="49" charset="0"/>
-              </a:rPr>
-              <a:t>CX </a:t>
-            </a:r>
-            <a:r>
-              <a:rPr lang="ru-RU" sz="1200" dirty="0" smtClean="0">
-                <a:solidFill>
-                  <a:srgbClr val="7030A0"/>
-                </a:solidFill>
-                <a:latin typeface="Consolas" panose="020B0609020204030204" pitchFamily="49" charset="0"/>
-              </a:rPr>
-              <a:t>в</a:t>
-            </a:r>
-            <a:r>
-              <a:rPr lang="en-US" sz="1200" dirty="0" smtClean="0">
-                <a:solidFill>
-                  <a:srgbClr val="7030A0"/>
-                </a:solidFill>
-                <a:latin typeface="Consolas" panose="020B0609020204030204" pitchFamily="49" charset="0"/>
-              </a:rPr>
-              <a:t> DX</a:t>
-            </a:r>
-            <a:r>
-              <a:rPr lang="ru-RU" sz="1200" dirty="0">
-                <a:solidFill>
-                  <a:srgbClr val="7030A0"/>
-                </a:solidFill>
-                <a:latin typeface="Consolas" panose="020B0609020204030204" pitchFamily="49" charset="0"/>
-              </a:rPr>
-              <a:t>,</a:t>
-            </a:r>
-            <a:r>
-              <a:rPr lang="en-US" sz="1200" dirty="0" smtClean="0">
-                <a:solidFill>
-                  <a:srgbClr val="7030A0"/>
-                </a:solidFill>
-                <a:latin typeface="Consolas" panose="020B0609020204030204" pitchFamily="49" charset="0"/>
-              </a:rPr>
-              <a:t> DX</a:t>
-            </a:r>
-            <a:r>
-              <a:rPr lang="ru-RU" sz="1200" dirty="0" smtClean="0">
-                <a:solidFill>
-                  <a:srgbClr val="7030A0"/>
-                </a:solidFill>
-                <a:latin typeface="Consolas" panose="020B0609020204030204" pitchFamily="49" charset="0"/>
-              </a:rPr>
-              <a:t> = 6</a:t>
-            </a:r>
-            <a:endParaRPr lang="ru-RU" sz="1200" dirty="0">
-              <a:solidFill>
-                <a:srgbClr val="7030A0"/>
-              </a:solidFill>
-              <a:latin typeface="Consolas" panose="020B0609020204030204" pitchFamily="49" charset="0"/>
-            </a:endParaRPr>
-          </a:p>
-          <a:p>
-            <a:r>
-              <a:rPr lang="ru-RU" sz="1200" dirty="0" err="1">
-                <a:solidFill>
-                  <a:schemeClr val="accent1">
-                    <a:lumMod val="75000"/>
-                  </a:schemeClr>
-                </a:solidFill>
-                <a:latin typeface="Consolas" panose="020B0609020204030204" pitchFamily="49" charset="0"/>
-              </a:rPr>
-              <a:t>add</a:t>
-            </a:r>
-            <a:r>
-              <a:rPr lang="ru-RU" sz="1200" dirty="0">
-                <a:solidFill>
-                  <a:schemeClr val="accent1">
-                    <a:lumMod val="50000"/>
-                  </a:schemeClr>
-                </a:solidFill>
-                <a:latin typeface="Consolas" panose="020B0609020204030204" pitchFamily="49" charset="0"/>
-              </a:rPr>
-              <a:t> </a:t>
-            </a:r>
-            <a:r>
-              <a:rPr lang="ru-RU" sz="1200" dirty="0" err="1">
-                <a:solidFill>
-                  <a:srgbClr val="FF0000"/>
-                </a:solidFill>
-                <a:latin typeface="Consolas" panose="020B0609020204030204" pitchFamily="49" charset="0"/>
-              </a:rPr>
-              <a:t>dx</a:t>
-            </a:r>
-            <a:r>
-              <a:rPr lang="ru-RU" sz="1200" dirty="0">
-                <a:solidFill>
-                  <a:schemeClr val="tx1"/>
-                </a:solidFill>
-                <a:latin typeface="Consolas" panose="020B0609020204030204" pitchFamily="49" charset="0"/>
-              </a:rPr>
-              <a:t>,</a:t>
-            </a:r>
-            <a:r>
-              <a:rPr lang="ru-RU" sz="1200" dirty="0">
-                <a:solidFill>
-                  <a:schemeClr val="accent1">
-                    <a:lumMod val="50000"/>
-                  </a:schemeClr>
-                </a:solidFill>
-                <a:latin typeface="Consolas" panose="020B0609020204030204" pitchFamily="49" charset="0"/>
-              </a:rPr>
-              <a:t> </a:t>
-            </a:r>
-            <a:r>
-              <a:rPr lang="ru-RU" sz="1200" dirty="0" err="1">
-                <a:solidFill>
-                  <a:srgbClr val="FF0000"/>
-                </a:solidFill>
-                <a:latin typeface="Consolas" panose="020B0609020204030204" pitchFamily="49" charset="0"/>
-              </a:rPr>
-              <a:t>ax</a:t>
-            </a:r>
-            <a:r>
-              <a:rPr lang="ru-RU" sz="1200" dirty="0">
-                <a:solidFill>
-                  <a:schemeClr val="accent1">
-                    <a:lumMod val="50000"/>
-                  </a:schemeClr>
-                </a:solidFill>
-                <a:latin typeface="Consolas" panose="020B0609020204030204" pitchFamily="49" charset="0"/>
-              </a:rPr>
-              <a:t> </a:t>
-            </a:r>
-            <a:r>
-              <a:rPr lang="en-US" sz="1200" dirty="0" smtClean="0">
-                <a:latin typeface="Consolas" panose="020B0609020204030204" pitchFamily="49" charset="0"/>
-              </a:rPr>
-              <a:t>	</a:t>
-            </a:r>
-            <a:r>
-              <a:rPr lang="en-US" sz="1200" dirty="0" smtClean="0">
-                <a:solidFill>
-                  <a:srgbClr val="7030A0"/>
-                </a:solidFill>
-                <a:latin typeface="Consolas" panose="020B0609020204030204" pitchFamily="49" charset="0"/>
-              </a:rPr>
-              <a:t>; DX = DX + AX</a:t>
-            </a:r>
-            <a:endParaRPr lang="ru-RU" sz="1200" dirty="0">
-              <a:solidFill>
-                <a:srgbClr val="7030A0"/>
-              </a:solidFill>
-              <a:latin typeface="Consolas" panose="020B0609020204030204" pitchFamily="49" charset="0"/>
-            </a:endParaRPr>
-          </a:p>
-        </p:txBody>
-      </p:sp>
-      <p:sp>
-        <p:nvSpPr>
-          <p:cNvPr id="8" name="TextBox 7"/>
-          <p:cNvSpPr txBox="1"/>
-          <p:nvPr/>
-        </p:nvSpPr>
-        <p:spPr>
-          <a:xfrm>
-            <a:off x="578593" y="2764608"/>
-            <a:ext cx="7512270" cy="1169551"/>
+            <a:off x="5077972" y="1633307"/>
+            <a:ext cx="3375668" cy="2250445"/>
           </a:xfrm>
           <a:prstGeom prst="rect">
             <a:avLst/>
           </a:prstGeom>
           <a:noFill/>
+          <a:extLst>
+            <a:ext uri="{909E8E84-426E-40DD-AFC4-6F175D3DCCD1}">
+              <a14:hiddenFill xmlns:a14="http://schemas.microsoft.com/office/drawing/2010/main">
+                <a:solidFill>
+                  <a:srgbClr val="FFFFFF"/>
+                </a:solidFill>
+              </a14:hiddenFill>
+            </a:ext>
+          </a:extLst>
         </p:spPr>
-        <p:txBody>
-          <a:bodyPr wrap="square" rtlCol="0">
-            <a:spAutoFit/>
-          </a:bodyPr>
-          <a:lstStyle/>
-          <a:p>
-            <a:r>
-              <a:rPr lang="ru-RU" dirty="0" smtClean="0"/>
-              <a:t>Минусы использования функционального программирования </a:t>
-            </a:r>
-            <a:r>
-              <a:rPr lang="ru-RU" b="1" dirty="0" smtClean="0"/>
-              <a:t>для крупных проектов</a:t>
-            </a:r>
-            <a:r>
-              <a:rPr lang="ru-RU" dirty="0" smtClean="0"/>
-              <a:t>:</a:t>
-            </a:r>
-          </a:p>
-          <a:p>
-            <a:pPr marL="342900" indent="-342900">
-              <a:buAutoNum type="arabicPeriod"/>
-            </a:pPr>
-            <a:r>
-              <a:rPr lang="ru-RU" dirty="0" smtClean="0"/>
-              <a:t>Сложно управлять кодом в виду того, что</a:t>
-            </a:r>
-            <a:r>
-              <a:rPr lang="en-US" dirty="0" smtClean="0"/>
-              <a:t> </a:t>
-            </a:r>
-            <a:r>
-              <a:rPr lang="ru-RU" dirty="0" smtClean="0"/>
-              <a:t>становится сложно декомпозировать код.</a:t>
-            </a:r>
-          </a:p>
-          <a:p>
-            <a:pPr marL="342900" indent="-342900">
-              <a:buAutoNum type="arabicPeriod"/>
-            </a:pPr>
-            <a:r>
-              <a:rPr lang="ru-RU" dirty="0" smtClean="0"/>
-              <a:t>Отсутствовала инкапсуляция, в виду этого была нарушена связь между кодом и данными.</a:t>
-            </a:r>
-          </a:p>
-          <a:p>
-            <a:pPr marL="342900" indent="-342900">
-              <a:buAutoNum type="arabicPeriod"/>
-            </a:pPr>
-            <a:r>
-              <a:rPr lang="ru-RU" dirty="0" smtClean="0"/>
-              <a:t>Необходимо было копировать код и, как следствие, его дублировать.</a:t>
-            </a:r>
-          </a:p>
-        </p:txBody>
-      </p:sp>
-      <p:sp>
-        <p:nvSpPr>
-          <p:cNvPr id="9" name="Стрелка вправо 8"/>
-          <p:cNvSpPr/>
-          <p:nvPr/>
-        </p:nvSpPr>
-        <p:spPr>
-          <a:xfrm>
-            <a:off x="5076493" y="1594700"/>
-            <a:ext cx="796160" cy="472966"/>
-          </a:xfrm>
-          <a:prstGeom prst="rightArrow">
-            <a:avLst>
-              <a:gd name="adj1" fmla="val 50000"/>
-              <a:gd name="adj2" fmla="val 95333"/>
-            </a:avLst>
-          </a:prstGeom>
-        </p:spPr>
-        <p:style>
-          <a:lnRef idx="2">
-            <a:schemeClr val="accent4">
-              <a:shade val="50000"/>
-            </a:schemeClr>
-          </a:lnRef>
-          <a:fillRef idx="1">
-            <a:schemeClr val="accent4"/>
-          </a:fillRef>
-          <a:effectRef idx="0">
-            <a:schemeClr val="accent4"/>
-          </a:effectRef>
-          <a:fontRef idx="minor">
-            <a:schemeClr val="lt1"/>
-          </a:fontRef>
-        </p:style>
-        <p:txBody>
-          <a:bodyPr rtlCol="0" anchor="ctr"/>
-          <a:lstStyle/>
-          <a:p>
-            <a:pPr algn="ctr"/>
-            <a:endParaRPr lang="ru-RU"/>
-          </a:p>
-        </p:txBody>
-      </p:sp>
+      </p:pic>
     </p:spTree>
     <p:extLst>
       <p:ext uri="{BB962C8B-B14F-4D97-AF65-F5344CB8AC3E}">
-        <p14:creationId xmlns:p14="http://schemas.microsoft.com/office/powerpoint/2010/main" xmlns="" val="1071236081"/>
+        <p14:creationId xmlns:p14="http://schemas.microsoft.com/office/powerpoint/2010/main" val="3682479876"/>
       </p:ext>
     </p:extLst>
   </p:cSld>
   <p:clrMapOvr>
     <a:masterClrMapping/>
   </p:clrMapOvr>
-  <mc:AlternateContent xmlns:mc="http://schemas.openxmlformats.org/markup-compatibility/2006">
-    <mc:Choice xmlns:p14="http://schemas.microsoft.com/office/powerpoint/2010/main" xmlns="" Requires="p14">
+  <mc:AlternateContent xmlns:mc="http://schemas.openxmlformats.org/markup-compatibility/2006" xmlns:p14="http://schemas.microsoft.com/office/powerpoint/2010/main">
+    <mc:Choice Requires="p14">
       <p:transition spd="slow" p14:dur="2000"/>
     </mc:Choice>
-    <mc:Fallback>
+    <mc:Fallback xmlns="">
       <p:transition spd="slow"/>
     </mc:Fallback>
   </mc:AlternateContent>
@@ -13515,11 +12717,11 @@
   <p:clrMapOvr>
     <a:masterClrMapping/>
   </p:clrMapOvr>
-  <mc:AlternateContent xmlns:mc="http://schemas.openxmlformats.org/markup-compatibility/2006">
-    <mc:Choice xmlns="" xmlns:p14="http://schemas.microsoft.com/office/powerpoint/2010/main" Requires="p14">
+  <mc:AlternateContent xmlns:mc="http://schemas.openxmlformats.org/markup-compatibility/2006" xmlns:p14="http://schemas.microsoft.com/office/powerpoint/2010/main">
+    <mc:Choice Requires="p14">
       <p:transition spd="slow" p14:dur="2000"/>
     </mc:Choice>
-    <mc:Fallback>
+    <mc:Fallback xmlns="">
       <p:transition spd="slow"/>
     </mc:Fallback>
   </mc:AlternateContent>
@@ -13651,18 +12853,18 @@
     </p:spTree>
     <p:extLst>
       <p:ext uri="{BB962C8B-B14F-4D97-AF65-F5344CB8AC3E}">
-        <p14:creationId xmlns="" xmlns:p14="http://schemas.microsoft.com/office/powerpoint/2010/main" val="1441752782"/>
+        <p14:creationId xmlns:p14="http://schemas.microsoft.com/office/powerpoint/2010/main" val="1441752782"/>
       </p:ext>
     </p:extLst>
   </p:cSld>
   <p:clrMapOvr>
     <a:masterClrMapping/>
   </p:clrMapOvr>
-  <mc:AlternateContent xmlns:mc="http://schemas.openxmlformats.org/markup-compatibility/2006">
-    <mc:Choice xmlns="" xmlns:p14="http://schemas.microsoft.com/office/powerpoint/2010/main" Requires="p14">
+  <mc:AlternateContent xmlns:mc="http://schemas.openxmlformats.org/markup-compatibility/2006" xmlns:p14="http://schemas.microsoft.com/office/powerpoint/2010/main">
+    <mc:Choice Requires="p14">
       <p:transition spd="slow" p14:dur="2000"/>
     </mc:Choice>
-    <mc:Fallback>
+    <mc:Fallback xmlns="">
       <p:transition spd="slow"/>
     </mc:Fallback>
   </mc:AlternateContent>
@@ -13842,7 +13044,7 @@
           <a:blip r:embed="rId3">
             <a:extLst>
               <a:ext uri="{28A0092B-C50C-407E-A947-70E740481C1C}">
-                <a14:useLocalDpi xmlns="" xmlns:a14="http://schemas.microsoft.com/office/drawing/2010/main" val="0"/>
+                <a14:useLocalDpi xmlns:a14="http://schemas.microsoft.com/office/drawing/2010/main" val="0"/>
               </a:ext>
             </a:extLst>
           </a:blip>
@@ -13862,7 +13064,7 @@
           <a:noFill/>
           <a:extLst>
             <a:ext uri="{909E8E84-426E-40DD-AFC4-6F175D3DCCD1}">
-              <a14:hiddenFill xmlns="" xmlns:a14="http://schemas.microsoft.com/office/drawing/2010/main">
+              <a14:hiddenFill xmlns:a14="http://schemas.microsoft.com/office/drawing/2010/main">
                 <a:solidFill>
                   <a:srgbClr val="FFFFFF"/>
                 </a:solidFill>
@@ -13876,11 +13078,11 @@
   <p:clrMapOvr>
     <a:masterClrMapping/>
   </p:clrMapOvr>
-  <mc:AlternateContent xmlns:mc="http://schemas.openxmlformats.org/markup-compatibility/2006">
-    <mc:Choice xmlns="" xmlns:p14="http://schemas.microsoft.com/office/powerpoint/2010/main" Requires="p14">
+  <mc:AlternateContent xmlns:mc="http://schemas.openxmlformats.org/markup-compatibility/2006" xmlns:p14="http://schemas.microsoft.com/office/powerpoint/2010/main">
+    <mc:Choice Requires="p14">
       <p:transition spd="slow" p14:dur="2000"/>
     </mc:Choice>
-    <mc:Fallback>
+    <mc:Fallback xmlns="">
       <p:transition spd="slow"/>
     </mc:Fallback>
   </mc:AlternateContent>
@@ -14214,18 +13416,18 @@
     </p:spTree>
     <p:extLst>
       <p:ext uri="{BB962C8B-B14F-4D97-AF65-F5344CB8AC3E}">
-        <p14:creationId xmlns="" xmlns:p14="http://schemas.microsoft.com/office/powerpoint/2010/main" val="2757086731"/>
+        <p14:creationId xmlns:p14="http://schemas.microsoft.com/office/powerpoint/2010/main" val="2757086731"/>
       </p:ext>
     </p:extLst>
   </p:cSld>
   <p:clrMapOvr>
     <a:masterClrMapping/>
   </p:clrMapOvr>
-  <mc:AlternateContent xmlns:mc="http://schemas.openxmlformats.org/markup-compatibility/2006">
-    <mc:Choice xmlns="" xmlns:p14="http://schemas.microsoft.com/office/powerpoint/2010/main" Requires="p14">
+  <mc:AlternateContent xmlns:mc="http://schemas.openxmlformats.org/markup-compatibility/2006" xmlns:p14="http://schemas.microsoft.com/office/powerpoint/2010/main">
+    <mc:Choice Requires="p14">
       <p:transition spd="slow" p14:dur="2000"/>
     </mc:Choice>
-    <mc:Fallback>
+    <mc:Fallback xmlns="">
       <p:transition spd="slow"/>
     </mc:Fallback>
   </mc:AlternateContent>
@@ -14379,18 +13581,18 @@
     </p:spTree>
     <p:extLst>
       <p:ext uri="{BB962C8B-B14F-4D97-AF65-F5344CB8AC3E}">
-        <p14:creationId xmlns="" xmlns:p14="http://schemas.microsoft.com/office/powerpoint/2010/main" val="1528244133"/>
+        <p14:creationId xmlns:p14="http://schemas.microsoft.com/office/powerpoint/2010/main" val="1528244133"/>
       </p:ext>
     </p:extLst>
   </p:cSld>
   <p:clrMapOvr>
     <a:masterClrMapping/>
   </p:clrMapOvr>
-  <mc:AlternateContent xmlns:mc="http://schemas.openxmlformats.org/markup-compatibility/2006">
-    <mc:Choice xmlns="" xmlns:p14="http://schemas.microsoft.com/office/powerpoint/2010/main" Requires="p14">
+  <mc:AlternateContent xmlns:mc="http://schemas.openxmlformats.org/markup-compatibility/2006" xmlns:p14="http://schemas.microsoft.com/office/powerpoint/2010/main">
+    <mc:Choice Requires="p14">
       <p:transition spd="slow" p14:dur="2000"/>
     </mc:Choice>
-    <mc:Fallback>
+    <mc:Fallback xmlns="">
       <p:transition spd="slow"/>
     </mc:Fallback>
   </mc:AlternateContent>
@@ -14909,7 +14111,7 @@
           <a:blip r:embed="rId3">
             <a:extLst>
               <a:ext uri="{28A0092B-C50C-407E-A947-70E740481C1C}">
-                <a14:useLocalDpi xmlns="" xmlns:a14="http://schemas.microsoft.com/office/drawing/2010/main" val="0"/>
+                <a14:useLocalDpi xmlns:a14="http://schemas.microsoft.com/office/drawing/2010/main" val="0"/>
               </a:ext>
             </a:extLst>
           </a:blip>
@@ -14929,7 +14131,7 @@
           <a:noFill/>
           <a:extLst>
             <a:ext uri="{909E8E84-426E-40DD-AFC4-6F175D3DCCD1}">
-              <a14:hiddenFill xmlns="" xmlns:a14="http://schemas.microsoft.com/office/drawing/2010/main">
+              <a14:hiddenFill xmlns:a14="http://schemas.microsoft.com/office/drawing/2010/main">
                 <a:solidFill>
                   <a:srgbClr val="FFFFFF"/>
                 </a:solidFill>
@@ -14941,18 +14143,18 @@
     </p:spTree>
     <p:extLst>
       <p:ext uri="{BB962C8B-B14F-4D97-AF65-F5344CB8AC3E}">
-        <p14:creationId xmlns="" xmlns:p14="http://schemas.microsoft.com/office/powerpoint/2010/main" val="1528244133"/>
+        <p14:creationId xmlns:p14="http://schemas.microsoft.com/office/powerpoint/2010/main" val="1528244133"/>
       </p:ext>
     </p:extLst>
   </p:cSld>
   <p:clrMapOvr>
     <a:masterClrMapping/>
   </p:clrMapOvr>
-  <mc:AlternateContent xmlns:mc="http://schemas.openxmlformats.org/markup-compatibility/2006">
-    <mc:Choice xmlns="" xmlns:p14="http://schemas.microsoft.com/office/powerpoint/2010/main" Requires="p14">
+  <mc:AlternateContent xmlns:mc="http://schemas.openxmlformats.org/markup-compatibility/2006" xmlns:p14="http://schemas.microsoft.com/office/powerpoint/2010/main">
+    <mc:Choice Requires="p14">
       <p:transition spd="slow" p14:dur="2000"/>
     </mc:Choice>
-    <mc:Fallback>
+    <mc:Fallback xmlns="">
       <p:transition spd="slow"/>
     </mc:Fallback>
   </mc:AlternateContent>
@@ -15090,14 +14292,14 @@
                 <a:gridCol w="914400">
                   <a:extLst>
                     <a:ext uri="{9D8B030D-6E8A-4147-A177-3AD203B41FA5}">
-                      <a16:colId xmlns="" xmlns:a16="http://schemas.microsoft.com/office/drawing/2014/main" val="20000"/>
+                      <a16:colId xmlns:a16="http://schemas.microsoft.com/office/drawing/2014/main" val="20000"/>
                     </a:ext>
                   </a:extLst>
                 </a:gridCol>
                 <a:gridCol w="2470826">
                   <a:extLst>
                     <a:ext uri="{9D8B030D-6E8A-4147-A177-3AD203B41FA5}">
-                      <a16:colId xmlns="" xmlns:a16="http://schemas.microsoft.com/office/drawing/2014/main" val="20001"/>
+                      <a16:colId xmlns:a16="http://schemas.microsoft.com/office/drawing/2014/main" val="20001"/>
                     </a:ext>
                   </a:extLst>
                 </a:gridCol>
@@ -15169,7 +14371,7 @@
                 </a:tc>
                 <a:extLst>
                   <a:ext uri="{0D108BD9-81ED-4DB2-BD59-A6C34878D82A}">
-                    <a16:rowId xmlns="" xmlns:a16="http://schemas.microsoft.com/office/drawing/2014/main" val="10000"/>
+                    <a16:rowId xmlns:a16="http://schemas.microsoft.com/office/drawing/2014/main" val="10000"/>
                   </a:ext>
                 </a:extLst>
               </a:tr>
@@ -15240,7 +14442,7 @@
                 </a:tc>
                 <a:extLst>
                   <a:ext uri="{0D108BD9-81ED-4DB2-BD59-A6C34878D82A}">
-                    <a16:rowId xmlns="" xmlns:a16="http://schemas.microsoft.com/office/drawing/2014/main" val="10001"/>
+                    <a16:rowId xmlns:a16="http://schemas.microsoft.com/office/drawing/2014/main" val="10001"/>
                   </a:ext>
                 </a:extLst>
               </a:tr>
@@ -15311,7 +14513,7 @@
                 </a:tc>
                 <a:extLst>
                   <a:ext uri="{0D108BD9-81ED-4DB2-BD59-A6C34878D82A}">
-                    <a16:rowId xmlns="" xmlns:a16="http://schemas.microsoft.com/office/drawing/2014/main" val="10002"/>
+                    <a16:rowId xmlns:a16="http://schemas.microsoft.com/office/drawing/2014/main" val="10002"/>
                   </a:ext>
                 </a:extLst>
               </a:tr>
@@ -15382,7 +14584,7 @@
                 </a:tc>
                 <a:extLst>
                   <a:ext uri="{0D108BD9-81ED-4DB2-BD59-A6C34878D82A}">
-                    <a16:rowId xmlns="" xmlns:a16="http://schemas.microsoft.com/office/drawing/2014/main" val="10003"/>
+                    <a16:rowId xmlns:a16="http://schemas.microsoft.com/office/drawing/2014/main" val="10003"/>
                   </a:ext>
                 </a:extLst>
               </a:tr>
@@ -15471,7 +14673,7 @@
                 </a:tc>
                 <a:extLst>
                   <a:ext uri="{0D108BD9-81ED-4DB2-BD59-A6C34878D82A}">
-                    <a16:rowId xmlns="" xmlns:a16="http://schemas.microsoft.com/office/drawing/2014/main" val="10004"/>
+                    <a16:rowId xmlns:a16="http://schemas.microsoft.com/office/drawing/2014/main" val="10004"/>
                   </a:ext>
                 </a:extLst>
               </a:tr>
@@ -15508,18 +14710,18 @@
     </p:spTree>
     <p:extLst>
       <p:ext uri="{BB962C8B-B14F-4D97-AF65-F5344CB8AC3E}">
-        <p14:creationId xmlns="" xmlns:p14="http://schemas.microsoft.com/office/powerpoint/2010/main" val="1528244133"/>
+        <p14:creationId xmlns:p14="http://schemas.microsoft.com/office/powerpoint/2010/main" val="1528244133"/>
       </p:ext>
     </p:extLst>
   </p:cSld>
   <p:clrMapOvr>
     <a:masterClrMapping/>
   </p:clrMapOvr>
-  <mc:AlternateContent xmlns:mc="http://schemas.openxmlformats.org/markup-compatibility/2006">
-    <mc:Choice xmlns="" xmlns:p14="http://schemas.microsoft.com/office/powerpoint/2010/main" Requires="p14">
+  <mc:AlternateContent xmlns:mc="http://schemas.openxmlformats.org/markup-compatibility/2006" xmlns:p14="http://schemas.microsoft.com/office/powerpoint/2010/main">
+    <mc:Choice Requires="p14">
       <p:transition spd="slow" p14:dur="2000"/>
     </mc:Choice>
-    <mc:Fallback>
+    <mc:Fallback xmlns="">
       <p:transition spd="slow"/>
     </mc:Fallback>
   </mc:AlternateContent>
@@ -15817,18 +15019,18 @@
     </p:spTree>
     <p:extLst>
       <p:ext uri="{BB962C8B-B14F-4D97-AF65-F5344CB8AC3E}">
-        <p14:creationId xmlns="" xmlns:p14="http://schemas.microsoft.com/office/powerpoint/2010/main" val="1528244133"/>
+        <p14:creationId xmlns:p14="http://schemas.microsoft.com/office/powerpoint/2010/main" val="1528244133"/>
       </p:ext>
     </p:extLst>
   </p:cSld>
   <p:clrMapOvr>
     <a:masterClrMapping/>
   </p:clrMapOvr>
-  <mc:AlternateContent xmlns:mc="http://schemas.openxmlformats.org/markup-compatibility/2006">
-    <mc:Choice xmlns="" xmlns:p14="http://schemas.microsoft.com/office/powerpoint/2010/main" Requires="p14">
+  <mc:AlternateContent xmlns:mc="http://schemas.openxmlformats.org/markup-compatibility/2006" xmlns:p14="http://schemas.microsoft.com/office/powerpoint/2010/main">
+    <mc:Choice Requires="p14">
       <p:transition spd="slow" p14:dur="2000"/>
     </mc:Choice>
-    <mc:Fallback>
+    <mc:Fallback xmlns="">
       <p:transition spd="slow"/>
     </mc:Fallback>
   </mc:AlternateContent>
@@ -16535,18 +15737,18 @@
     </p:spTree>
     <p:extLst>
       <p:ext uri="{BB962C8B-B14F-4D97-AF65-F5344CB8AC3E}">
-        <p14:creationId xmlns="" xmlns:p14="http://schemas.microsoft.com/office/powerpoint/2010/main" val="1528244133"/>
+        <p14:creationId xmlns:p14="http://schemas.microsoft.com/office/powerpoint/2010/main" val="1528244133"/>
       </p:ext>
     </p:extLst>
   </p:cSld>
   <p:clrMapOvr>
     <a:masterClrMapping/>
   </p:clrMapOvr>
-  <mc:AlternateContent xmlns:mc="http://schemas.openxmlformats.org/markup-compatibility/2006">
-    <mc:Choice xmlns="" xmlns:p14="http://schemas.microsoft.com/office/powerpoint/2010/main" Requires="p14">
+  <mc:AlternateContent xmlns:mc="http://schemas.openxmlformats.org/markup-compatibility/2006" xmlns:p14="http://schemas.microsoft.com/office/powerpoint/2010/main">
+    <mc:Choice Requires="p14">
       <p:transition spd="slow" p14:dur="2000"/>
     </mc:Choice>
-    <mc:Fallback>
+    <mc:Fallback xmlns="">
       <p:transition spd="slow"/>
     </mc:Fallback>
   </mc:AlternateContent>
@@ -17002,7 +16204,7 @@
           <a:blip r:embed="rId3">
             <a:extLst>
               <a:ext uri="{28A0092B-C50C-407E-A947-70E740481C1C}">
-                <a14:useLocalDpi xmlns="" xmlns:a14="http://schemas.microsoft.com/office/drawing/2010/main" val="0"/>
+                <a14:useLocalDpi xmlns:a14="http://schemas.microsoft.com/office/drawing/2010/main" val="0"/>
               </a:ext>
             </a:extLst>
           </a:blip>
@@ -17022,7 +16224,7 @@
           <a:noFill/>
           <a:extLst>
             <a:ext uri="{909E8E84-426E-40DD-AFC4-6F175D3DCCD1}">
-              <a14:hiddenFill xmlns="" xmlns:a14="http://schemas.microsoft.com/office/drawing/2010/main">
+              <a14:hiddenFill xmlns:a14="http://schemas.microsoft.com/office/drawing/2010/main">
                 <a:solidFill>
                   <a:srgbClr val="FFFFFF"/>
                 </a:solidFill>
@@ -17034,18 +16236,18 @@
     </p:spTree>
     <p:extLst>
       <p:ext uri="{BB962C8B-B14F-4D97-AF65-F5344CB8AC3E}">
-        <p14:creationId xmlns="" xmlns:p14="http://schemas.microsoft.com/office/powerpoint/2010/main" val="1528244133"/>
+        <p14:creationId xmlns:p14="http://schemas.microsoft.com/office/powerpoint/2010/main" val="1528244133"/>
       </p:ext>
     </p:extLst>
   </p:cSld>
   <p:clrMapOvr>
     <a:masterClrMapping/>
   </p:clrMapOvr>
-  <mc:AlternateContent xmlns:mc="http://schemas.openxmlformats.org/markup-compatibility/2006">
-    <mc:Choice xmlns="" xmlns:p14="http://schemas.microsoft.com/office/powerpoint/2010/main" Requires="p14">
+  <mc:AlternateContent xmlns:mc="http://schemas.openxmlformats.org/markup-compatibility/2006" xmlns:p14="http://schemas.microsoft.com/office/powerpoint/2010/main">
+    <mc:Choice Requires="p14">
       <p:transition spd="slow" p14:dur="2000"/>
     </mc:Choice>
-    <mc:Fallback>
+    <mc:Fallback xmlns="">
       <p:transition spd="slow"/>
     </mc:Fallback>
   </mc:AlternateContent>
@@ -17220,18 +16422,18 @@
     </p:spTree>
     <p:extLst>
       <p:ext uri="{BB962C8B-B14F-4D97-AF65-F5344CB8AC3E}">
-        <p14:creationId xmlns="" xmlns:p14="http://schemas.microsoft.com/office/powerpoint/2010/main" val="3831911810"/>
+        <p14:creationId xmlns:p14="http://schemas.microsoft.com/office/powerpoint/2010/main" val="3831911810"/>
       </p:ext>
     </p:extLst>
   </p:cSld>
   <p:clrMapOvr>
     <a:masterClrMapping/>
   </p:clrMapOvr>
-  <mc:AlternateContent xmlns:mc="http://schemas.openxmlformats.org/markup-compatibility/2006">
-    <mc:Choice xmlns="" xmlns:p14="http://schemas.microsoft.com/office/powerpoint/2010/main" Requires="p14">
+  <mc:AlternateContent xmlns:mc="http://schemas.openxmlformats.org/markup-compatibility/2006" xmlns:p14="http://schemas.microsoft.com/office/powerpoint/2010/main">
+    <mc:Choice Requires="p14">
       <p:transition spd="slow" p14:dur="2000"/>
     </mc:Choice>
-    <mc:Fallback>
+    <mc:Fallback xmlns="">
       <p:transition spd="slow"/>
     </mc:Fallback>
   </mc:AlternateContent>
@@ -17624,18 +16826,18 @@
     </p:spTree>
     <p:extLst>
       <p:ext uri="{BB962C8B-B14F-4D97-AF65-F5344CB8AC3E}">
-        <p14:creationId xmlns="" xmlns:p14="http://schemas.microsoft.com/office/powerpoint/2010/main" val="682476833"/>
+        <p14:creationId xmlns:p14="http://schemas.microsoft.com/office/powerpoint/2010/main" val="682476833"/>
       </p:ext>
     </p:extLst>
   </p:cSld>
   <p:clrMapOvr>
     <a:masterClrMapping/>
   </p:clrMapOvr>
-  <mc:AlternateContent xmlns:mc="http://schemas.openxmlformats.org/markup-compatibility/2006">
-    <mc:Choice xmlns="" xmlns:p14="http://schemas.microsoft.com/office/powerpoint/2010/main" Requires="p14">
+  <mc:AlternateContent xmlns:mc="http://schemas.openxmlformats.org/markup-compatibility/2006" xmlns:p14="http://schemas.microsoft.com/office/powerpoint/2010/main">
+    <mc:Choice Requires="p14">
       <p:transition spd="slow" p14:dur="2000"/>
     </mc:Choice>
-    <mc:Fallback>
+    <mc:Fallback xmlns="">
       <p:transition spd="slow"/>
     </mc:Fallback>
   </mc:AlternateContent>
@@ -17971,18 +17173,18 @@
     </p:spTree>
     <p:extLst>
       <p:ext uri="{BB962C8B-B14F-4D97-AF65-F5344CB8AC3E}">
-        <p14:creationId xmlns="" xmlns:p14="http://schemas.microsoft.com/office/powerpoint/2010/main" val="3413217380"/>
+        <p14:creationId xmlns:p14="http://schemas.microsoft.com/office/powerpoint/2010/main" val="3413217380"/>
       </p:ext>
     </p:extLst>
   </p:cSld>
   <p:clrMapOvr>
     <a:masterClrMapping/>
   </p:clrMapOvr>
-  <mc:AlternateContent xmlns:mc="http://schemas.openxmlformats.org/markup-compatibility/2006">
-    <mc:Choice xmlns="" xmlns:p14="http://schemas.microsoft.com/office/powerpoint/2010/main" Requires="p14">
+  <mc:AlternateContent xmlns:mc="http://schemas.openxmlformats.org/markup-compatibility/2006" xmlns:p14="http://schemas.microsoft.com/office/powerpoint/2010/main">
+    <mc:Choice Requires="p14">
       <p:transition spd="slow" p14:dur="2000"/>
     </mc:Choice>
-    <mc:Fallback>
+    <mc:Fallback xmlns="">
       <p:transition spd="slow"/>
     </mc:Fallback>
   </mc:AlternateContent>
@@ -18492,18 +17694,18 @@
     </p:spTree>
     <p:extLst>
       <p:ext uri="{BB962C8B-B14F-4D97-AF65-F5344CB8AC3E}">
-        <p14:creationId xmlns="" xmlns:p14="http://schemas.microsoft.com/office/powerpoint/2010/main" val="3413217380"/>
+        <p14:creationId xmlns:p14="http://schemas.microsoft.com/office/powerpoint/2010/main" val="3413217380"/>
       </p:ext>
     </p:extLst>
   </p:cSld>
   <p:clrMapOvr>
     <a:masterClrMapping/>
   </p:clrMapOvr>
-  <mc:AlternateContent xmlns:mc="http://schemas.openxmlformats.org/markup-compatibility/2006">
-    <mc:Choice xmlns="" xmlns:p14="http://schemas.microsoft.com/office/powerpoint/2010/main" Requires="p14">
+  <mc:AlternateContent xmlns:mc="http://schemas.openxmlformats.org/markup-compatibility/2006" xmlns:p14="http://schemas.microsoft.com/office/powerpoint/2010/main">
+    <mc:Choice Requires="p14">
       <p:transition spd="slow" p14:dur="2000"/>
     </mc:Choice>
-    <mc:Fallback>
+    <mc:Fallback xmlns="">
       <p:transition spd="slow"/>
     </mc:Fallback>
   </mc:AlternateContent>
@@ -18990,18 +18192,18 @@
     </p:spTree>
     <p:extLst>
       <p:ext uri="{BB962C8B-B14F-4D97-AF65-F5344CB8AC3E}">
-        <p14:creationId xmlns="" xmlns:p14="http://schemas.microsoft.com/office/powerpoint/2010/main" val="3413217380"/>
+        <p14:creationId xmlns:p14="http://schemas.microsoft.com/office/powerpoint/2010/main" val="3413217380"/>
       </p:ext>
     </p:extLst>
   </p:cSld>
   <p:clrMapOvr>
     <a:masterClrMapping/>
   </p:clrMapOvr>
-  <mc:AlternateContent xmlns:mc="http://schemas.openxmlformats.org/markup-compatibility/2006">
-    <mc:Choice xmlns="" xmlns:p14="http://schemas.microsoft.com/office/powerpoint/2010/main" Requires="p14">
+  <mc:AlternateContent xmlns:mc="http://schemas.openxmlformats.org/markup-compatibility/2006" xmlns:p14="http://schemas.microsoft.com/office/powerpoint/2010/main">
+    <mc:Choice Requires="p14">
       <p:transition spd="slow" p14:dur="2000"/>
     </mc:Choice>
-    <mc:Fallback>
+    <mc:Fallback xmlns="">
       <p:transition spd="slow"/>
     </mc:Fallback>
   </mc:AlternateContent>
@@ -19498,7 +18700,7 @@
           <a:blip r:embed="rId3">
             <a:extLst>
               <a:ext uri="{28A0092B-C50C-407E-A947-70E740481C1C}">
-                <a14:useLocalDpi xmlns="" xmlns:a14="http://schemas.microsoft.com/office/drawing/2010/main" val="0"/>
+                <a14:useLocalDpi xmlns:a14="http://schemas.microsoft.com/office/drawing/2010/main" val="0"/>
               </a:ext>
             </a:extLst>
           </a:blip>
@@ -19518,7 +18720,7 @@
           <a:noFill/>
           <a:extLst>
             <a:ext uri="{909E8E84-426E-40DD-AFC4-6F175D3DCCD1}">
-              <a14:hiddenFill xmlns="" xmlns:a14="http://schemas.microsoft.com/office/drawing/2010/main">
+              <a14:hiddenFill xmlns:a14="http://schemas.microsoft.com/office/drawing/2010/main">
                 <a:solidFill>
                   <a:srgbClr val="FFFFFF"/>
                 </a:solidFill>
@@ -19530,18 +18732,18 @@
     </p:spTree>
     <p:extLst>
       <p:ext uri="{BB962C8B-B14F-4D97-AF65-F5344CB8AC3E}">
-        <p14:creationId xmlns="" xmlns:p14="http://schemas.microsoft.com/office/powerpoint/2010/main" val="309344894"/>
+        <p14:creationId xmlns:p14="http://schemas.microsoft.com/office/powerpoint/2010/main" val="309344894"/>
       </p:ext>
     </p:extLst>
   </p:cSld>
   <p:clrMapOvr>
     <a:masterClrMapping/>
   </p:clrMapOvr>
-  <mc:AlternateContent xmlns:mc="http://schemas.openxmlformats.org/markup-compatibility/2006">
-    <mc:Choice xmlns="" xmlns:p14="http://schemas.microsoft.com/office/powerpoint/2010/main" Requires="p14">
+  <mc:AlternateContent xmlns:mc="http://schemas.openxmlformats.org/markup-compatibility/2006" xmlns:p14="http://schemas.microsoft.com/office/powerpoint/2010/main">
+    <mc:Choice Requires="p14">
       <p:transition spd="slow" p14:dur="2000"/>
     </mc:Choice>
-    <mc:Fallback>
+    <mc:Fallback xmlns="">
       <p:transition spd="slow"/>
     </mc:Fallback>
   </mc:AlternateContent>
@@ -19793,18 +18995,18 @@
     </p:spTree>
     <p:extLst>
       <p:ext uri="{BB962C8B-B14F-4D97-AF65-F5344CB8AC3E}">
-        <p14:creationId xmlns="" xmlns:p14="http://schemas.microsoft.com/office/powerpoint/2010/main" val="2283120847"/>
+        <p14:creationId xmlns:p14="http://schemas.microsoft.com/office/powerpoint/2010/main" val="2283120847"/>
       </p:ext>
     </p:extLst>
   </p:cSld>
   <p:clrMapOvr>
     <a:masterClrMapping/>
   </p:clrMapOvr>
-  <mc:AlternateContent xmlns:mc="http://schemas.openxmlformats.org/markup-compatibility/2006">
-    <mc:Choice xmlns="" xmlns:p14="http://schemas.microsoft.com/office/powerpoint/2010/main" Requires="p14">
+  <mc:AlternateContent xmlns:mc="http://schemas.openxmlformats.org/markup-compatibility/2006" xmlns:p14="http://schemas.microsoft.com/office/powerpoint/2010/main">
+    <mc:Choice Requires="p14">
       <p:transition spd="slow" p14:dur="2000"/>
     </mc:Choice>
-    <mc:Fallback>
+    <mc:Fallback xmlns="">
       <p:transition spd="slow"/>
     </mc:Fallback>
   </mc:AlternateContent>
@@ -20273,18 +19475,18 @@
     </p:spTree>
     <p:extLst>
       <p:ext uri="{BB962C8B-B14F-4D97-AF65-F5344CB8AC3E}">
-        <p14:creationId xmlns="" xmlns:p14="http://schemas.microsoft.com/office/powerpoint/2010/main" val="1849832399"/>
+        <p14:creationId xmlns:p14="http://schemas.microsoft.com/office/powerpoint/2010/main" val="1849832399"/>
       </p:ext>
     </p:extLst>
   </p:cSld>
   <p:clrMapOvr>
     <a:masterClrMapping/>
   </p:clrMapOvr>
-  <mc:AlternateContent xmlns:mc="http://schemas.openxmlformats.org/markup-compatibility/2006">
-    <mc:Choice xmlns="" xmlns:p14="http://schemas.microsoft.com/office/powerpoint/2010/main" Requires="p14">
+  <mc:AlternateContent xmlns:mc="http://schemas.openxmlformats.org/markup-compatibility/2006" xmlns:p14="http://schemas.microsoft.com/office/powerpoint/2010/main">
+    <mc:Choice Requires="p14">
       <p:transition spd="slow" p14:dur="2000"/>
     </mc:Choice>
-    <mc:Fallback>
+    <mc:Fallback xmlns="">
       <p:transition spd="slow"/>
     </mc:Fallback>
   </mc:AlternateContent>
@@ -20360,7 +19562,7 @@
           <a:blip r:embed="rId3">
             <a:extLst>
               <a:ext uri="{28A0092B-C50C-407E-A947-70E740481C1C}">
-                <a14:useLocalDpi xmlns="" xmlns:a14="http://schemas.microsoft.com/office/drawing/2010/main" val="0"/>
+                <a14:useLocalDpi xmlns:a14="http://schemas.microsoft.com/office/drawing/2010/main" val="0"/>
               </a:ext>
             </a:extLst>
           </a:blip>
@@ -20380,7 +19582,7 @@
           <a:noFill/>
           <a:extLst>
             <a:ext uri="{909E8E84-426E-40DD-AFC4-6F175D3DCCD1}">
-              <a14:hiddenFill xmlns="" xmlns:a14="http://schemas.microsoft.com/office/drawing/2010/main">
+              <a14:hiddenFill xmlns:a14="http://schemas.microsoft.com/office/drawing/2010/main">
                 <a:solidFill>
                   <a:srgbClr val="FFFFFF"/>
                 </a:solidFill>
@@ -20392,18 +19594,18 @@
     </p:spTree>
     <p:extLst>
       <p:ext uri="{BB962C8B-B14F-4D97-AF65-F5344CB8AC3E}">
-        <p14:creationId xmlns="" xmlns:p14="http://schemas.microsoft.com/office/powerpoint/2010/main" val="3413217380"/>
+        <p14:creationId xmlns:p14="http://schemas.microsoft.com/office/powerpoint/2010/main" val="3413217380"/>
       </p:ext>
     </p:extLst>
   </p:cSld>
   <p:clrMapOvr>
     <a:masterClrMapping/>
   </p:clrMapOvr>
-  <mc:AlternateContent xmlns:mc="http://schemas.openxmlformats.org/markup-compatibility/2006">
-    <mc:Choice xmlns="" xmlns:p14="http://schemas.microsoft.com/office/powerpoint/2010/main" Requires="p14">
+  <mc:AlternateContent xmlns:mc="http://schemas.openxmlformats.org/markup-compatibility/2006" xmlns:p14="http://schemas.microsoft.com/office/powerpoint/2010/main">
+    <mc:Choice Requires="p14">
       <p:transition spd="slow" p14:dur="2000"/>
     </mc:Choice>
-    <mc:Fallback>
+    <mc:Fallback xmlns="">
       <p:transition spd="slow"/>
     </mc:Fallback>
   </mc:AlternateContent>
@@ -20583,18 +19785,18 @@
     </p:spTree>
     <p:extLst>
       <p:ext uri="{BB962C8B-B14F-4D97-AF65-F5344CB8AC3E}">
-        <p14:creationId xmlns="" xmlns:p14="http://schemas.microsoft.com/office/powerpoint/2010/main" val="3577843157"/>
+        <p14:creationId xmlns:p14="http://schemas.microsoft.com/office/powerpoint/2010/main" val="3577843157"/>
       </p:ext>
     </p:extLst>
   </p:cSld>
   <p:clrMapOvr>
     <a:masterClrMapping/>
   </p:clrMapOvr>
-  <mc:AlternateContent xmlns:mc="http://schemas.openxmlformats.org/markup-compatibility/2006">
-    <mc:Choice xmlns="" xmlns:p14="http://schemas.microsoft.com/office/powerpoint/2010/main" Requires="p14">
+  <mc:AlternateContent xmlns:mc="http://schemas.openxmlformats.org/markup-compatibility/2006" xmlns:p14="http://schemas.microsoft.com/office/powerpoint/2010/main">
+    <mc:Choice Requires="p14">
       <p:transition spd="slow" p14:dur="2000"/>
     </mc:Choice>
-    <mc:Fallback>
+    <mc:Fallback xmlns="">
       <p:transition spd="slow"/>
     </mc:Fallback>
   </mc:AlternateContent>
@@ -21113,7 +20315,7 @@
     </p:spTree>
     <p:extLst>
       <p:ext uri="{BB962C8B-B14F-4D97-AF65-F5344CB8AC3E}">
-        <p14:creationId xmlns="" xmlns:p14="http://schemas.microsoft.com/office/powerpoint/2010/main" val="3413217380"/>
+        <p14:creationId xmlns:p14="http://schemas.microsoft.com/office/powerpoint/2010/main" val="3413217380"/>
       </p:ext>
     </p:extLst>
   </p:cSld>
@@ -21193,7 +20395,7 @@
           <a:blip r:embed="rId3">
             <a:extLst>
               <a:ext uri="{28A0092B-C50C-407E-A947-70E740481C1C}">
-                <a14:useLocalDpi xmlns="" xmlns:a14="http://schemas.microsoft.com/office/drawing/2010/main" val="0"/>
+                <a14:useLocalDpi xmlns:a14="http://schemas.microsoft.com/office/drawing/2010/main" val="0"/>
               </a:ext>
             </a:extLst>
           </a:blip>
@@ -21213,7 +20415,7 @@
           <a:noFill/>
           <a:extLst>
             <a:ext uri="{909E8E84-426E-40DD-AFC4-6F175D3DCCD1}">
-              <a14:hiddenFill xmlns="" xmlns:a14="http://schemas.microsoft.com/office/drawing/2010/main">
+              <a14:hiddenFill xmlns:a14="http://schemas.microsoft.com/office/drawing/2010/main">
                 <a:solidFill>
                   <a:srgbClr val="FFFFFF"/>
                 </a:solidFill>
@@ -21245,14 +20447,14 @@
           <a:effectLst/>
           <a:extLst>
             <a:ext uri="{909E8E84-426E-40DD-AFC4-6F175D3DCCD1}">
-              <a14:hiddenFill xmlns="" xmlns:a14="http://schemas.microsoft.com/office/drawing/2010/main">
+              <a14:hiddenFill xmlns:a14="http://schemas.microsoft.com/office/drawing/2010/main">
                 <a:solidFill>
                   <a:schemeClr val="accent1"/>
                 </a:solidFill>
               </a14:hiddenFill>
             </a:ext>
             <a:ext uri="{91240B29-F687-4F45-9708-019B960494DF}">
-              <a14:hiddenLine xmlns="" xmlns:a14="http://schemas.microsoft.com/office/drawing/2010/main" w="9525">
+              <a14:hiddenLine xmlns:a14="http://schemas.microsoft.com/office/drawing/2010/main" w="9525">
                 <a:solidFill>
                   <a:schemeClr val="tx1"/>
                 </a:solidFill>
@@ -21262,7 +20464,7 @@
               </a14:hiddenLine>
             </a:ext>
             <a:ext uri="{AF507438-7753-43E0-B8FC-AC1667EBCBE1}">
-              <a14:hiddenEffects xmlns="" xmlns:a14="http://schemas.microsoft.com/office/drawing/2010/main">
+              <a14:hiddenEffects xmlns:a14="http://schemas.microsoft.com/office/drawing/2010/main">
                 <a:effectLst>
                   <a:outerShdw dist="35921" dir="2700000" algn="ctr" rotWithShape="0">
                     <a:schemeClr val="bg2"/>
@@ -21601,7 +20803,7 @@
     </p:spTree>
     <p:extLst>
       <p:ext uri="{BB962C8B-B14F-4D97-AF65-F5344CB8AC3E}">
-        <p14:creationId xmlns="" xmlns:p14="http://schemas.microsoft.com/office/powerpoint/2010/main" val="981254663"/>
+        <p14:creationId xmlns:p14="http://schemas.microsoft.com/office/powerpoint/2010/main" val="981254663"/>
       </p:ext>
     </p:extLst>
   </p:cSld>
@@ -22246,18 +21448,18 @@
     </p:spTree>
     <p:extLst>
       <p:ext uri="{BB962C8B-B14F-4D97-AF65-F5344CB8AC3E}">
-        <p14:creationId xmlns="" xmlns:p14="http://schemas.microsoft.com/office/powerpoint/2010/main" val="3790451603"/>
+        <p14:creationId xmlns:p14="http://schemas.microsoft.com/office/powerpoint/2010/main" val="3790451603"/>
       </p:ext>
     </p:extLst>
   </p:cSld>
   <p:clrMapOvr>
     <a:masterClrMapping/>
   </p:clrMapOvr>
-  <mc:AlternateContent xmlns:mc="http://schemas.openxmlformats.org/markup-compatibility/2006">
-    <mc:Choice xmlns="" xmlns:p14="http://schemas.microsoft.com/office/powerpoint/2010/main" Requires="p14">
+  <mc:AlternateContent xmlns:mc="http://schemas.openxmlformats.org/markup-compatibility/2006" xmlns:p14="http://schemas.microsoft.com/office/powerpoint/2010/main">
+    <mc:Choice Requires="p14">
       <p:transition spd="slow" p14:dur="2000"/>
     </mc:Choice>
-    <mc:Fallback>
+    <mc:Fallback xmlns="">
       <p:transition spd="slow"/>
     </mc:Fallback>
   </mc:AlternateContent>
@@ -23046,18 +22248,18 @@
     </p:spTree>
     <p:extLst>
       <p:ext uri="{BB962C8B-B14F-4D97-AF65-F5344CB8AC3E}">
-        <p14:creationId xmlns="" xmlns:p14="http://schemas.microsoft.com/office/powerpoint/2010/main" val="3155185380"/>
+        <p14:creationId xmlns:p14="http://schemas.microsoft.com/office/powerpoint/2010/main" val="3155185380"/>
       </p:ext>
     </p:extLst>
   </p:cSld>
   <p:clrMapOvr>
     <a:masterClrMapping/>
   </p:clrMapOvr>
-  <mc:AlternateContent xmlns:mc="http://schemas.openxmlformats.org/markup-compatibility/2006">
-    <mc:Choice xmlns="" xmlns:p14="http://schemas.microsoft.com/office/powerpoint/2010/main" Requires="p14">
+  <mc:AlternateContent xmlns:mc="http://schemas.openxmlformats.org/markup-compatibility/2006" xmlns:p14="http://schemas.microsoft.com/office/powerpoint/2010/main">
+    <mc:Choice Requires="p14">
       <p:transition spd="slow" p14:dur="2000"/>
     </mc:Choice>
-    <mc:Fallback>
+    <mc:Fallback xmlns="">
       <p:transition spd="slow"/>
     </mc:Fallback>
   </mc:AlternateContent>
@@ -23688,18 +22890,18 @@
     </p:spTree>
     <p:extLst>
       <p:ext uri="{BB962C8B-B14F-4D97-AF65-F5344CB8AC3E}">
-        <p14:creationId xmlns="" xmlns:p14="http://schemas.microsoft.com/office/powerpoint/2010/main" val="2300968413"/>
+        <p14:creationId xmlns:p14="http://schemas.microsoft.com/office/powerpoint/2010/main" val="2300968413"/>
       </p:ext>
     </p:extLst>
   </p:cSld>
   <p:clrMapOvr>
     <a:masterClrMapping/>
   </p:clrMapOvr>
-  <mc:AlternateContent xmlns:mc="http://schemas.openxmlformats.org/markup-compatibility/2006">
-    <mc:Choice xmlns="" xmlns:p14="http://schemas.microsoft.com/office/powerpoint/2010/main" Requires="p14">
+  <mc:AlternateContent xmlns:mc="http://schemas.openxmlformats.org/markup-compatibility/2006" xmlns:p14="http://schemas.microsoft.com/office/powerpoint/2010/main">
+    <mc:Choice Requires="p14">
       <p:transition spd="slow" p14:dur="2000"/>
     </mc:Choice>
-    <mc:Fallback>
+    <mc:Fallback xmlns="">
       <p:transition spd="slow"/>
     </mc:Fallback>
   </mc:AlternateContent>
@@ -23864,18 +23066,18 @@
     </p:spTree>
     <p:extLst>
       <p:ext uri="{BB962C8B-B14F-4D97-AF65-F5344CB8AC3E}">
-        <p14:creationId xmlns="" xmlns:p14="http://schemas.microsoft.com/office/powerpoint/2010/main" val="3155185380"/>
+        <p14:creationId xmlns:p14="http://schemas.microsoft.com/office/powerpoint/2010/main" val="3155185380"/>
       </p:ext>
     </p:extLst>
   </p:cSld>
   <p:clrMapOvr>
     <a:masterClrMapping/>
   </p:clrMapOvr>
-  <mc:AlternateContent xmlns:mc="http://schemas.openxmlformats.org/markup-compatibility/2006">
-    <mc:Choice xmlns="" xmlns:p14="http://schemas.microsoft.com/office/powerpoint/2010/main" Requires="p14">
+  <mc:AlternateContent xmlns:mc="http://schemas.openxmlformats.org/markup-compatibility/2006" xmlns:p14="http://schemas.microsoft.com/office/powerpoint/2010/main">
+    <mc:Choice Requires="p14">
       <p:transition spd="slow" p14:dur="2000"/>
     </mc:Choice>
-    <mc:Fallback>
+    <mc:Fallback xmlns="">
       <p:transition spd="slow"/>
     </mc:Fallback>
   </mc:AlternateContent>
@@ -24441,18 +23643,18 @@
     </p:spTree>
     <p:extLst>
       <p:ext uri="{BB962C8B-B14F-4D97-AF65-F5344CB8AC3E}">
-        <p14:creationId xmlns="" xmlns:p14="http://schemas.microsoft.com/office/powerpoint/2010/main" val="3249418654"/>
+        <p14:creationId xmlns:p14="http://schemas.microsoft.com/office/powerpoint/2010/main" val="3249418654"/>
       </p:ext>
     </p:extLst>
   </p:cSld>
   <p:clrMapOvr>
     <a:masterClrMapping/>
   </p:clrMapOvr>
-  <mc:AlternateContent xmlns:mc="http://schemas.openxmlformats.org/markup-compatibility/2006">
-    <mc:Choice xmlns="" xmlns:p14="http://schemas.microsoft.com/office/powerpoint/2010/main" Requires="p14">
+  <mc:AlternateContent xmlns:mc="http://schemas.openxmlformats.org/markup-compatibility/2006" xmlns:p14="http://schemas.microsoft.com/office/powerpoint/2010/main">
+    <mc:Choice Requires="p14">
       <p:transition spd="slow" p14:dur="2000"/>
     </mc:Choice>
-    <mc:Fallback>
+    <mc:Fallback xmlns="">
       <p:transition spd="slow"/>
     </mc:Fallback>
   </mc:AlternateContent>
@@ -24888,18 +24090,18 @@
     </p:spTree>
     <p:extLst>
       <p:ext uri="{BB962C8B-B14F-4D97-AF65-F5344CB8AC3E}">
-        <p14:creationId xmlns="" xmlns:p14="http://schemas.microsoft.com/office/powerpoint/2010/main" val="3249418654"/>
+        <p14:creationId xmlns:p14="http://schemas.microsoft.com/office/powerpoint/2010/main" val="3249418654"/>
       </p:ext>
     </p:extLst>
   </p:cSld>
   <p:clrMapOvr>
     <a:masterClrMapping/>
   </p:clrMapOvr>
-  <mc:AlternateContent xmlns:mc="http://schemas.openxmlformats.org/markup-compatibility/2006">
-    <mc:Choice xmlns="" xmlns:p14="http://schemas.microsoft.com/office/powerpoint/2010/main" Requires="p14">
+  <mc:AlternateContent xmlns:mc="http://schemas.openxmlformats.org/markup-compatibility/2006" xmlns:p14="http://schemas.microsoft.com/office/powerpoint/2010/main">
+    <mc:Choice Requires="p14">
       <p:transition spd="slow" p14:dur="2000"/>
     </mc:Choice>
-    <mc:Fallback>
+    <mc:Fallback xmlns="">
       <p:transition spd="slow"/>
     </mc:Fallback>
   </mc:AlternateContent>
@@ -25380,7 +24582,7 @@
     </p:spTree>
     <p:extLst>
       <p:ext uri="{BB962C8B-B14F-4D97-AF65-F5344CB8AC3E}">
-        <p14:creationId xmlns="" xmlns:p14="http://schemas.microsoft.com/office/powerpoint/2010/main" val="893468368"/>
+        <p14:creationId xmlns:p14="http://schemas.microsoft.com/office/powerpoint/2010/main" val="893468368"/>
       </p:ext>
     </p:extLst>
   </p:cSld>
@@ -26581,7 +25783,7 @@
           <p:nvPr>
             <p:extLst>
               <p:ext uri="{D42A27DB-BD31-4B8C-83A1-F6EECF244321}">
-                <p14:modId xmlns="" xmlns:p14="http://schemas.microsoft.com/office/powerpoint/2010/main" val="4121394419"/>
+                <p14:modId xmlns:p14="http://schemas.microsoft.com/office/powerpoint/2010/main" val="4121394419"/>
               </p:ext>
             </p:extLst>
           </p:nvPr>
@@ -26601,14 +25803,14 @@
                 <a:gridCol w="489425">
                   <a:extLst>
                     <a:ext uri="{9D8B030D-6E8A-4147-A177-3AD203B41FA5}">
-                      <a16:colId xmlns="" xmlns:a16="http://schemas.microsoft.com/office/drawing/2014/main" val="20000"/>
+                      <a16:colId xmlns:a16="http://schemas.microsoft.com/office/drawing/2014/main" val="20000"/>
                     </a:ext>
                   </a:extLst>
                 </a:gridCol>
                 <a:gridCol w="6749575">
                   <a:extLst>
                     <a:ext uri="{9D8B030D-6E8A-4147-A177-3AD203B41FA5}">
-                      <a16:colId xmlns="" xmlns:a16="http://schemas.microsoft.com/office/drawing/2014/main" val="20001"/>
+                      <a16:colId xmlns:a16="http://schemas.microsoft.com/office/drawing/2014/main" val="20001"/>
                     </a:ext>
                   </a:extLst>
                 </a:gridCol>
@@ -26773,7 +25975,7 @@
                 </a:tc>
                 <a:extLst>
                   <a:ext uri="{0D108BD9-81ED-4DB2-BD59-A6C34878D82A}">
-                    <a16:rowId xmlns="" xmlns:a16="http://schemas.microsoft.com/office/drawing/2014/main" val="10000"/>
+                    <a16:rowId xmlns:a16="http://schemas.microsoft.com/office/drawing/2014/main" val="10000"/>
                   </a:ext>
                 </a:extLst>
               </a:tr>
@@ -26963,7 +26165,7 @@
                 </a:tc>
                 <a:extLst>
                   <a:ext uri="{0D108BD9-81ED-4DB2-BD59-A6C34878D82A}">
-                    <a16:rowId xmlns="" xmlns:a16="http://schemas.microsoft.com/office/drawing/2014/main" val="10001"/>
+                    <a16:rowId xmlns:a16="http://schemas.microsoft.com/office/drawing/2014/main" val="10001"/>
                   </a:ext>
                 </a:extLst>
               </a:tr>
@@ -27129,7 +26331,7 @@
                 </a:tc>
                 <a:extLst>
                   <a:ext uri="{0D108BD9-81ED-4DB2-BD59-A6C34878D82A}">
-                    <a16:rowId xmlns="" xmlns:a16="http://schemas.microsoft.com/office/drawing/2014/main" val="10002"/>
+                    <a16:rowId xmlns:a16="http://schemas.microsoft.com/office/drawing/2014/main" val="10002"/>
                   </a:ext>
                 </a:extLst>
               </a:tr>
@@ -27169,11 +26371,11 @@
   <p:clrMapOvr>
     <a:masterClrMapping/>
   </p:clrMapOvr>
-  <mc:AlternateContent xmlns:mc="http://schemas.openxmlformats.org/markup-compatibility/2006">
-    <mc:Choice xmlns="" xmlns:p14="http://schemas.microsoft.com/office/powerpoint/2010/main" Requires="p14">
+  <mc:AlternateContent xmlns:mc="http://schemas.openxmlformats.org/markup-compatibility/2006" xmlns:p14="http://schemas.microsoft.com/office/powerpoint/2010/main">
+    <mc:Choice Requires="p14">
       <p:transition spd="slow" p14:dur="2000"/>
     </mc:Choice>
-    <mc:Fallback>
+    <mc:Fallback xmlns="">
       <p:transition spd="slow"/>
     </mc:Fallback>
   </mc:AlternateContent>
@@ -27251,11 +26453,11 @@
   <p:clrMapOvr>
     <a:masterClrMapping/>
   </p:clrMapOvr>
-  <mc:AlternateContent xmlns:mc="http://schemas.openxmlformats.org/markup-compatibility/2006">
-    <mc:Choice xmlns="" xmlns:p14="http://schemas.microsoft.com/office/powerpoint/2010/main" Requires="p14">
+  <mc:AlternateContent xmlns:mc="http://schemas.openxmlformats.org/markup-compatibility/2006" xmlns:p14="http://schemas.microsoft.com/office/powerpoint/2010/main">
+    <mc:Choice Requires="p14">
       <p:transition spd="slow" p14:dur="2000"/>
     </mc:Choice>
-    <mc:Fallback>
+    <mc:Fallback xmlns="">
       <p:transition spd="slow"/>
     </mc:Fallback>
   </mc:AlternateContent>
@@ -27360,14 +26562,14 @@
       </p:sp>
       <p:sp>
         <p:nvSpPr>
-          <p:cNvPr id="7" name="Прямоугольник 6"/>
+          <p:cNvPr id="5" name="Прямоугольник 4"/>
           <p:cNvSpPr/>
           <p:nvPr/>
         </p:nvSpPr>
         <p:spPr>
           <a:xfrm>
-            <a:off x="578593" y="1164170"/>
-            <a:ext cx="3996557" cy="3323987"/>
+            <a:off x="6096523" y="2553696"/>
+            <a:ext cx="2177220" cy="1384995"/>
           </a:xfrm>
           <a:prstGeom prst="rect">
             <a:avLst/>
@@ -27380,22 +26582,380 @@
           <a:lstStyle/>
           <a:p>
             <a:r>
-              <a:rPr lang="ru-RU" dirty="0"/>
-              <a:t>До ООП в разработке использовался другой подход — процедурный. Программа представляется в нем как набор процедур и функций — подпрограмм, которые выполняют определенный блок кода с нужными входящими данными. </a:t>
-            </a:r>
-            <a:endParaRPr lang="ru-RU" dirty="0" smtClean="0"/>
-          </a:p>
-          <a:p>
-            <a:endParaRPr lang="ru-RU" dirty="0" smtClean="0"/>
-          </a:p>
-          <a:p>
-            <a:r>
-              <a:rPr lang="ru-RU" dirty="0" smtClean="0"/>
-              <a:t>Процедурное </a:t>
-            </a:r>
-            <a:r>
-              <a:rPr lang="ru-RU" dirty="0"/>
-              <a:t>программирование хорошо подходит для легких программ без сложной структуры. Но если блоки кода большие, а функций сотни, придется редактировать каждую из них, продумывать новую логику. В результате может образоваться много плохо читаемого, перемешанного кода — «спагетти-кода» или «лапши».</a:t>
+              <a:rPr lang="ru-RU" sz="1200" dirty="0" smtClean="0">
+                <a:solidFill>
+                  <a:schemeClr val="tx1"/>
+                </a:solidFill>
+                <a:latin typeface="+mj-lt"/>
+              </a:rPr>
+              <a:t>Код </a:t>
+            </a:r>
+            <a:r>
+              <a:rPr lang="en-US" sz="1200" dirty="0" smtClean="0">
+                <a:solidFill>
+                  <a:schemeClr val="tx1"/>
+                </a:solidFill>
+                <a:latin typeface="+mj-lt"/>
+              </a:rPr>
+              <a:t>C:</a:t>
+            </a:r>
+            <a:endParaRPr lang="ru-RU" sz="1200" dirty="0" smtClean="0">
+              <a:solidFill>
+                <a:schemeClr val="tx1"/>
+              </a:solidFill>
+              <a:latin typeface="+mj-lt"/>
+            </a:endParaRPr>
+          </a:p>
+          <a:p>
+            <a:r>
+              <a:rPr lang="en-US" sz="1200" dirty="0" err="1" smtClean="0">
+                <a:solidFill>
+                  <a:srgbClr val="0000FF"/>
+                </a:solidFill>
+                <a:latin typeface="Consolas" panose="020B0609020204030204" pitchFamily="49" charset="0"/>
+              </a:rPr>
+              <a:t>int</a:t>
+            </a:r>
+            <a:r>
+              <a:rPr lang="en-US" sz="1200" dirty="0" smtClean="0">
+                <a:latin typeface="Consolas" panose="020B0609020204030204" pitchFamily="49" charset="0"/>
+              </a:rPr>
+              <a:t> </a:t>
+            </a:r>
+            <a:r>
+              <a:rPr lang="en-US" sz="1200" dirty="0">
+                <a:solidFill>
+                  <a:srgbClr val="795E26"/>
+                </a:solidFill>
+                <a:latin typeface="Consolas" panose="020B0609020204030204" pitchFamily="49" charset="0"/>
+              </a:rPr>
+              <a:t>main</a:t>
+            </a:r>
+            <a:r>
+              <a:rPr lang="en-US" sz="1200" dirty="0">
+                <a:latin typeface="Consolas" panose="020B0609020204030204" pitchFamily="49" charset="0"/>
+              </a:rPr>
+              <a:t>() </a:t>
+            </a:r>
+            <a:r>
+              <a:rPr lang="en-US" sz="1200" dirty="0" smtClean="0">
+                <a:latin typeface="Consolas" panose="020B0609020204030204" pitchFamily="49" charset="0"/>
+              </a:rPr>
+              <a:t>{</a:t>
+            </a:r>
+            <a:r>
+              <a:rPr lang="en-US" sz="1200" dirty="0">
+                <a:latin typeface="Consolas" panose="020B0609020204030204" pitchFamily="49" charset="0"/>
+              </a:rPr>
+              <a:t/>
+            </a:r>
+            <a:br>
+              <a:rPr lang="en-US" sz="1200" dirty="0">
+                <a:latin typeface="Consolas" panose="020B0609020204030204" pitchFamily="49" charset="0"/>
+              </a:rPr>
+            </a:br>
+            <a:r>
+              <a:rPr lang="en-US" sz="1200" dirty="0">
+                <a:latin typeface="Consolas" panose="020B0609020204030204" pitchFamily="49" charset="0"/>
+              </a:rPr>
+              <a:t>    </a:t>
+            </a:r>
+            <a:r>
+              <a:rPr lang="en-US" sz="1200" dirty="0" err="1">
+                <a:solidFill>
+                  <a:srgbClr val="0000FF"/>
+                </a:solidFill>
+                <a:latin typeface="Consolas" panose="020B0609020204030204" pitchFamily="49" charset="0"/>
+              </a:rPr>
+              <a:t>int</a:t>
+            </a:r>
+            <a:r>
+              <a:rPr lang="en-US" sz="1200" dirty="0">
+                <a:latin typeface="Consolas" panose="020B0609020204030204" pitchFamily="49" charset="0"/>
+              </a:rPr>
+              <a:t> a = </a:t>
+            </a:r>
+            <a:r>
+              <a:rPr lang="en-US" sz="1200" dirty="0">
+                <a:solidFill>
+                  <a:srgbClr val="098658"/>
+                </a:solidFill>
+                <a:latin typeface="Consolas" panose="020B0609020204030204" pitchFamily="49" charset="0"/>
+              </a:rPr>
+              <a:t>6</a:t>
+            </a:r>
+            <a:r>
+              <a:rPr lang="en-US" sz="1200" dirty="0">
+                <a:latin typeface="Consolas" panose="020B0609020204030204" pitchFamily="49" charset="0"/>
+              </a:rPr>
+              <a:t>;</a:t>
+            </a:r>
+          </a:p>
+          <a:p>
+            <a:r>
+              <a:rPr lang="en-US" sz="1200" dirty="0">
+                <a:latin typeface="Consolas" panose="020B0609020204030204" pitchFamily="49" charset="0"/>
+              </a:rPr>
+              <a:t>    </a:t>
+            </a:r>
+            <a:r>
+              <a:rPr lang="en-US" sz="1200" dirty="0" err="1">
+                <a:solidFill>
+                  <a:srgbClr val="0000FF"/>
+                </a:solidFill>
+                <a:latin typeface="Consolas" panose="020B0609020204030204" pitchFamily="49" charset="0"/>
+              </a:rPr>
+              <a:t>int</a:t>
+            </a:r>
+            <a:r>
+              <a:rPr lang="en-US" sz="1200" dirty="0">
+                <a:latin typeface="Consolas" panose="020B0609020204030204" pitchFamily="49" charset="0"/>
+              </a:rPr>
+              <a:t> b = </a:t>
+            </a:r>
+            <a:r>
+              <a:rPr lang="en-US" sz="1200" dirty="0">
+                <a:solidFill>
+                  <a:srgbClr val="098658"/>
+                </a:solidFill>
+                <a:latin typeface="Consolas" panose="020B0609020204030204" pitchFamily="49" charset="0"/>
+              </a:rPr>
+              <a:t>8</a:t>
+            </a:r>
+            <a:r>
+              <a:rPr lang="en-US" sz="1200" dirty="0">
+                <a:latin typeface="Consolas" panose="020B0609020204030204" pitchFamily="49" charset="0"/>
+              </a:rPr>
+              <a:t>;</a:t>
+            </a:r>
+          </a:p>
+          <a:p>
+            <a:r>
+              <a:rPr lang="en-US" sz="1200" dirty="0">
+                <a:latin typeface="Consolas" panose="020B0609020204030204" pitchFamily="49" charset="0"/>
+              </a:rPr>
+              <a:t>    </a:t>
+            </a:r>
+            <a:r>
+              <a:rPr lang="en-US" sz="1200" dirty="0" err="1">
+                <a:solidFill>
+                  <a:srgbClr val="0000FF"/>
+                </a:solidFill>
+                <a:latin typeface="Consolas" panose="020B0609020204030204" pitchFamily="49" charset="0"/>
+              </a:rPr>
+              <a:t>int</a:t>
+            </a:r>
+            <a:r>
+              <a:rPr lang="en-US" sz="1200" dirty="0">
+                <a:latin typeface="Consolas" panose="020B0609020204030204" pitchFamily="49" charset="0"/>
+              </a:rPr>
+              <a:t> sum = a + b;</a:t>
+            </a:r>
+          </a:p>
+          <a:p>
+            <a:r>
+              <a:rPr lang="en-US" sz="1200" dirty="0">
+                <a:latin typeface="Consolas" panose="020B0609020204030204" pitchFamily="49" charset="0"/>
+              </a:rPr>
+              <a:t>    </a:t>
+            </a:r>
+            <a:r>
+              <a:rPr lang="en-US" sz="1200" dirty="0">
+                <a:solidFill>
+                  <a:srgbClr val="AF00DB"/>
+                </a:solidFill>
+                <a:latin typeface="Consolas" panose="020B0609020204030204" pitchFamily="49" charset="0"/>
+              </a:rPr>
+              <a:t>return</a:t>
+            </a:r>
+            <a:r>
+              <a:rPr lang="en-US" sz="1200" dirty="0">
+                <a:latin typeface="Consolas" panose="020B0609020204030204" pitchFamily="49" charset="0"/>
+              </a:rPr>
+              <a:t> </a:t>
+            </a:r>
+            <a:r>
+              <a:rPr lang="en-US" sz="1200" dirty="0">
+                <a:solidFill>
+                  <a:srgbClr val="098658"/>
+                </a:solidFill>
+                <a:latin typeface="Consolas" panose="020B0609020204030204" pitchFamily="49" charset="0"/>
+              </a:rPr>
+              <a:t>0</a:t>
+            </a:r>
+            <a:r>
+              <a:rPr lang="en-US" sz="1200" dirty="0">
+                <a:latin typeface="Consolas" panose="020B0609020204030204" pitchFamily="49" charset="0"/>
+              </a:rPr>
+              <a:t>;</a:t>
+            </a:r>
+          </a:p>
+          <a:p>
+            <a:r>
+              <a:rPr lang="en-US" sz="1200" dirty="0">
+                <a:latin typeface="Consolas" panose="020B0609020204030204" pitchFamily="49" charset="0"/>
+              </a:rPr>
+              <a:t>}</a:t>
+            </a:r>
+          </a:p>
+        </p:txBody>
+      </p:sp>
+      <p:sp>
+        <p:nvSpPr>
+          <p:cNvPr id="7" name="Прямоугольник 6"/>
+          <p:cNvSpPr/>
+          <p:nvPr/>
+        </p:nvSpPr>
+        <p:spPr>
+          <a:xfrm>
+            <a:off x="635349" y="2667206"/>
+            <a:ext cx="4330786" cy="1015663"/>
+          </a:xfrm>
+          <a:prstGeom prst="rect">
+            <a:avLst/>
+          </a:prstGeom>
+        </p:spPr>
+        <p:txBody>
+          <a:bodyPr wrap="square">
+            <a:spAutoFit/>
+          </a:bodyPr>
+          <a:lstStyle/>
+          <a:p>
+            <a:r>
+              <a:rPr lang="ru-RU" sz="1200" dirty="0" smtClean="0">
+                <a:solidFill>
+                  <a:schemeClr val="tx1"/>
+                </a:solidFill>
+              </a:rPr>
+              <a:t>Код ассемблера:</a:t>
+            </a:r>
+          </a:p>
+          <a:p>
+            <a:r>
+              <a:rPr lang="ru-RU" sz="1200" dirty="0" err="1" smtClean="0">
+                <a:solidFill>
+                  <a:schemeClr val="accent1">
+                    <a:lumMod val="75000"/>
+                  </a:schemeClr>
+                </a:solidFill>
+                <a:latin typeface="Consolas" panose="020B0609020204030204" pitchFamily="49" charset="0"/>
+              </a:rPr>
+              <a:t>mov</a:t>
+            </a:r>
+            <a:r>
+              <a:rPr lang="ru-RU" sz="1200" dirty="0" smtClean="0">
+                <a:solidFill>
+                  <a:schemeClr val="accent1">
+                    <a:lumMod val="50000"/>
+                  </a:schemeClr>
+                </a:solidFill>
+                <a:latin typeface="Consolas" panose="020B0609020204030204" pitchFamily="49" charset="0"/>
+              </a:rPr>
+              <a:t> </a:t>
+            </a:r>
+            <a:r>
+              <a:rPr lang="ru-RU" sz="1200" dirty="0" err="1">
+                <a:solidFill>
+                  <a:srgbClr val="FF0000"/>
+                </a:solidFill>
+                <a:latin typeface="Consolas" panose="020B0609020204030204" pitchFamily="49" charset="0"/>
+              </a:rPr>
+              <a:t>ax</a:t>
+            </a:r>
+            <a:r>
+              <a:rPr lang="ru-RU" sz="1200" dirty="0">
+                <a:solidFill>
+                  <a:schemeClr val="tx1"/>
+                </a:solidFill>
+                <a:latin typeface="Consolas" panose="020B0609020204030204" pitchFamily="49" charset="0"/>
+              </a:rPr>
+              <a:t>,</a:t>
+            </a:r>
+            <a:r>
+              <a:rPr lang="ru-RU" sz="1200" dirty="0">
+                <a:solidFill>
+                  <a:schemeClr val="accent1">
+                    <a:lumMod val="50000"/>
+                  </a:schemeClr>
+                </a:solidFill>
+                <a:latin typeface="Consolas" panose="020B0609020204030204" pitchFamily="49" charset="0"/>
+              </a:rPr>
+              <a:t> </a:t>
+            </a:r>
+            <a:r>
+              <a:rPr lang="ru-RU" sz="1200" dirty="0" smtClean="0">
+                <a:solidFill>
+                  <a:schemeClr val="accent1">
+                    <a:lumMod val="50000"/>
+                  </a:schemeClr>
+                </a:solidFill>
+                <a:latin typeface="Consolas" panose="020B0609020204030204" pitchFamily="49" charset="0"/>
+              </a:rPr>
+              <a:t>0</a:t>
+            </a:r>
+            <a:r>
+              <a:rPr lang="en-US" sz="1200" dirty="0" smtClean="0">
+                <a:solidFill>
+                  <a:schemeClr val="accent1">
+                    <a:lumMod val="50000"/>
+                  </a:schemeClr>
+                </a:solidFill>
+                <a:latin typeface="Consolas" panose="020B0609020204030204" pitchFamily="49" charset="0"/>
+              </a:rPr>
+              <a:t>x6h</a:t>
+            </a:r>
+            <a:r>
+              <a:rPr lang="ru-RU" sz="1200" dirty="0" smtClean="0">
+                <a:solidFill>
+                  <a:schemeClr val="accent1">
+                    <a:lumMod val="50000"/>
+                  </a:schemeClr>
+                </a:solidFill>
+                <a:latin typeface="Consolas" panose="020B0609020204030204" pitchFamily="49" charset="0"/>
+              </a:rPr>
+              <a:t>  </a:t>
+            </a:r>
+            <a:r>
+              <a:rPr lang="en-US" sz="1200" dirty="0" smtClean="0">
+                <a:latin typeface="Consolas" panose="020B0609020204030204" pitchFamily="49" charset="0"/>
+              </a:rPr>
+              <a:t>	</a:t>
+            </a:r>
+            <a:r>
+              <a:rPr lang="en-US" sz="1200" dirty="0" smtClean="0">
+                <a:solidFill>
+                  <a:srgbClr val="7030A0"/>
+                </a:solidFill>
+                <a:latin typeface="Consolas" panose="020B0609020204030204" pitchFamily="49" charset="0"/>
+              </a:rPr>
+              <a:t>; </a:t>
+            </a:r>
+            <a:r>
+              <a:rPr lang="ru-RU" sz="1200" dirty="0" smtClean="0">
+                <a:solidFill>
+                  <a:srgbClr val="7030A0"/>
+                </a:solidFill>
+                <a:latin typeface="Consolas" panose="020B0609020204030204" pitchFamily="49" charset="0"/>
+              </a:rPr>
+              <a:t>заносим в А</a:t>
+            </a:r>
+            <a:r>
+              <a:rPr lang="en-US" sz="1200" dirty="0" smtClean="0">
+                <a:solidFill>
+                  <a:srgbClr val="7030A0"/>
+                </a:solidFill>
+                <a:latin typeface="Consolas" panose="020B0609020204030204" pitchFamily="49" charset="0"/>
+              </a:rPr>
+              <a:t>X</a:t>
+            </a:r>
+            <a:r>
+              <a:rPr lang="ru-RU" sz="1200" dirty="0" smtClean="0">
+                <a:solidFill>
+                  <a:srgbClr val="7030A0"/>
+                </a:solidFill>
+                <a:latin typeface="Consolas" panose="020B0609020204030204" pitchFamily="49" charset="0"/>
+              </a:rPr>
+              <a:t> число 6</a:t>
             </a:r>
             <a:endParaRPr lang="ru-RU" sz="1200" dirty="0">
               <a:solidFill>
@@ -27404,64 +26964,504 @@
               <a:latin typeface="Consolas" panose="020B0609020204030204" pitchFamily="49" charset="0"/>
             </a:endParaRPr>
           </a:p>
+          <a:p>
+            <a:r>
+              <a:rPr lang="ru-RU" sz="1200" dirty="0" err="1">
+                <a:solidFill>
+                  <a:schemeClr val="accent1">
+                    <a:lumMod val="75000"/>
+                  </a:schemeClr>
+                </a:solidFill>
+                <a:latin typeface="Consolas" panose="020B0609020204030204" pitchFamily="49" charset="0"/>
+              </a:rPr>
+              <a:t>mov</a:t>
+            </a:r>
+            <a:r>
+              <a:rPr lang="ru-RU" sz="1200" dirty="0">
+                <a:solidFill>
+                  <a:schemeClr val="accent1">
+                    <a:lumMod val="50000"/>
+                  </a:schemeClr>
+                </a:solidFill>
+                <a:latin typeface="Consolas" panose="020B0609020204030204" pitchFamily="49" charset="0"/>
+              </a:rPr>
+              <a:t> </a:t>
+            </a:r>
+            <a:r>
+              <a:rPr lang="ru-RU" sz="1200" dirty="0" err="1">
+                <a:solidFill>
+                  <a:srgbClr val="FF0000"/>
+                </a:solidFill>
+                <a:latin typeface="Consolas" panose="020B0609020204030204" pitchFamily="49" charset="0"/>
+              </a:rPr>
+              <a:t>cx</a:t>
+            </a:r>
+            <a:r>
+              <a:rPr lang="ru-RU" sz="1200" dirty="0">
+                <a:solidFill>
+                  <a:schemeClr val="tx1"/>
+                </a:solidFill>
+                <a:latin typeface="Consolas" panose="020B0609020204030204" pitchFamily="49" charset="0"/>
+              </a:rPr>
+              <a:t>,</a:t>
+            </a:r>
+            <a:r>
+              <a:rPr lang="ru-RU" sz="1200" dirty="0">
+                <a:solidFill>
+                  <a:schemeClr val="accent1">
+                    <a:lumMod val="50000"/>
+                  </a:schemeClr>
+                </a:solidFill>
+                <a:latin typeface="Consolas" panose="020B0609020204030204" pitchFamily="49" charset="0"/>
+              </a:rPr>
+              <a:t> </a:t>
+            </a:r>
+            <a:r>
+              <a:rPr lang="en-US" sz="1200" dirty="0" smtClean="0">
+                <a:solidFill>
+                  <a:schemeClr val="accent1">
+                    <a:lumMod val="50000"/>
+                  </a:schemeClr>
+                </a:solidFill>
+                <a:latin typeface="Consolas" panose="020B0609020204030204" pitchFamily="49" charset="0"/>
+              </a:rPr>
+              <a:t>0x</a:t>
+            </a:r>
+            <a:r>
+              <a:rPr lang="ru-RU" sz="1200" dirty="0" smtClean="0">
+                <a:solidFill>
+                  <a:schemeClr val="accent1">
+                    <a:lumMod val="50000"/>
+                  </a:schemeClr>
+                </a:solidFill>
+                <a:latin typeface="Consolas" panose="020B0609020204030204" pitchFamily="49" charset="0"/>
+              </a:rPr>
+              <a:t>8</a:t>
+            </a:r>
+            <a:r>
+              <a:rPr lang="en-US" sz="1200" dirty="0" smtClean="0">
+                <a:solidFill>
+                  <a:schemeClr val="accent1">
+                    <a:lumMod val="50000"/>
+                  </a:schemeClr>
+                </a:solidFill>
+                <a:latin typeface="Consolas" panose="020B0609020204030204" pitchFamily="49" charset="0"/>
+              </a:rPr>
+              <a:t>h</a:t>
+            </a:r>
+            <a:r>
+              <a:rPr lang="en-US" sz="1200" dirty="0" smtClean="0">
+                <a:latin typeface="Consolas" panose="020B0609020204030204" pitchFamily="49" charset="0"/>
+              </a:rPr>
+              <a:t>	</a:t>
+            </a:r>
+            <a:r>
+              <a:rPr lang="en-US" sz="1200" dirty="0" smtClean="0">
+                <a:solidFill>
+                  <a:srgbClr val="7030A0"/>
+                </a:solidFill>
+                <a:latin typeface="Consolas" panose="020B0609020204030204" pitchFamily="49" charset="0"/>
+              </a:rPr>
+              <a:t>;</a:t>
+            </a:r>
+            <a:r>
+              <a:rPr lang="ru-RU" sz="1200" dirty="0" smtClean="0">
+                <a:solidFill>
+                  <a:srgbClr val="7030A0"/>
+                </a:solidFill>
+                <a:latin typeface="Consolas" panose="020B0609020204030204" pitchFamily="49" charset="0"/>
+              </a:rPr>
+              <a:t> </a:t>
+            </a:r>
+            <a:r>
+              <a:rPr lang="ru-RU" sz="1200" dirty="0">
+                <a:solidFill>
+                  <a:srgbClr val="7030A0"/>
+                </a:solidFill>
+                <a:latin typeface="Consolas" panose="020B0609020204030204" pitchFamily="49" charset="0"/>
+              </a:rPr>
+              <a:t>заносим в </a:t>
+            </a:r>
+            <a:r>
+              <a:rPr lang="ru-RU" sz="1200" dirty="0" smtClean="0">
+                <a:solidFill>
+                  <a:srgbClr val="7030A0"/>
+                </a:solidFill>
+                <a:latin typeface="Consolas" panose="020B0609020204030204" pitchFamily="49" charset="0"/>
+              </a:rPr>
+              <a:t>А</a:t>
+            </a:r>
+            <a:r>
+              <a:rPr lang="en-US" sz="1200" dirty="0" smtClean="0">
+                <a:solidFill>
+                  <a:srgbClr val="7030A0"/>
+                </a:solidFill>
+                <a:latin typeface="Consolas" panose="020B0609020204030204" pitchFamily="49" charset="0"/>
+              </a:rPr>
+              <a:t>X</a:t>
+            </a:r>
+            <a:r>
+              <a:rPr lang="ru-RU" sz="1200" dirty="0" smtClean="0">
+                <a:solidFill>
+                  <a:srgbClr val="7030A0"/>
+                </a:solidFill>
+                <a:latin typeface="Consolas" panose="020B0609020204030204" pitchFamily="49" charset="0"/>
+              </a:rPr>
+              <a:t> </a:t>
+            </a:r>
+            <a:r>
+              <a:rPr lang="ru-RU" sz="1200" dirty="0">
+                <a:solidFill>
+                  <a:srgbClr val="7030A0"/>
+                </a:solidFill>
+                <a:latin typeface="Consolas" panose="020B0609020204030204" pitchFamily="49" charset="0"/>
+              </a:rPr>
+              <a:t>число </a:t>
+            </a:r>
+            <a:r>
+              <a:rPr lang="ru-RU" sz="1200" dirty="0" smtClean="0">
+                <a:solidFill>
+                  <a:srgbClr val="7030A0"/>
+                </a:solidFill>
+                <a:latin typeface="Consolas" panose="020B0609020204030204" pitchFamily="49" charset="0"/>
+              </a:rPr>
+              <a:t>8</a:t>
+            </a:r>
+            <a:endParaRPr lang="ru-RU" sz="1200" dirty="0">
+              <a:solidFill>
+                <a:srgbClr val="7030A0"/>
+              </a:solidFill>
+              <a:latin typeface="Consolas" panose="020B0609020204030204" pitchFamily="49" charset="0"/>
+            </a:endParaRPr>
+          </a:p>
+          <a:p>
+            <a:r>
+              <a:rPr lang="ru-RU" sz="1200" dirty="0" err="1">
+                <a:solidFill>
+                  <a:schemeClr val="accent1">
+                    <a:lumMod val="75000"/>
+                  </a:schemeClr>
+                </a:solidFill>
+                <a:latin typeface="Consolas" panose="020B0609020204030204" pitchFamily="49" charset="0"/>
+              </a:rPr>
+              <a:t>mov</a:t>
+            </a:r>
+            <a:r>
+              <a:rPr lang="ru-RU" sz="1200" dirty="0">
+                <a:solidFill>
+                  <a:schemeClr val="accent1">
+                    <a:lumMod val="50000"/>
+                  </a:schemeClr>
+                </a:solidFill>
+                <a:latin typeface="Consolas" panose="020B0609020204030204" pitchFamily="49" charset="0"/>
+              </a:rPr>
+              <a:t> </a:t>
+            </a:r>
+            <a:r>
+              <a:rPr lang="ru-RU" sz="1200" dirty="0" err="1">
+                <a:solidFill>
+                  <a:srgbClr val="FF0000"/>
+                </a:solidFill>
+                <a:latin typeface="Consolas" panose="020B0609020204030204" pitchFamily="49" charset="0"/>
+              </a:rPr>
+              <a:t>dx</a:t>
+            </a:r>
+            <a:r>
+              <a:rPr lang="ru-RU" sz="1200" dirty="0">
+                <a:solidFill>
+                  <a:schemeClr val="tx1"/>
+                </a:solidFill>
+                <a:latin typeface="Consolas" panose="020B0609020204030204" pitchFamily="49" charset="0"/>
+              </a:rPr>
+              <a:t>,</a:t>
+            </a:r>
+            <a:r>
+              <a:rPr lang="ru-RU" sz="1200" dirty="0">
+                <a:solidFill>
+                  <a:schemeClr val="accent1">
+                    <a:lumMod val="50000"/>
+                  </a:schemeClr>
+                </a:solidFill>
+                <a:latin typeface="Consolas" panose="020B0609020204030204" pitchFamily="49" charset="0"/>
+              </a:rPr>
+              <a:t> </a:t>
+            </a:r>
+            <a:r>
+              <a:rPr lang="ru-RU" sz="1200" dirty="0" err="1" smtClean="0">
+                <a:solidFill>
+                  <a:srgbClr val="FF0000"/>
+                </a:solidFill>
+                <a:latin typeface="Consolas" panose="020B0609020204030204" pitchFamily="49" charset="0"/>
+              </a:rPr>
+              <a:t>cx</a:t>
+            </a:r>
+            <a:r>
+              <a:rPr lang="en-US" sz="1200" dirty="0" smtClean="0">
+                <a:latin typeface="Consolas" panose="020B0609020204030204" pitchFamily="49" charset="0"/>
+              </a:rPr>
+              <a:t>		</a:t>
+            </a:r>
+            <a:r>
+              <a:rPr lang="en-US" sz="1200" dirty="0" smtClean="0">
+                <a:solidFill>
+                  <a:srgbClr val="7030A0"/>
+                </a:solidFill>
+                <a:latin typeface="Consolas" panose="020B0609020204030204" pitchFamily="49" charset="0"/>
+              </a:rPr>
+              <a:t>; </a:t>
+            </a:r>
+            <a:r>
+              <a:rPr lang="ru-RU" sz="1200" dirty="0" smtClean="0">
+                <a:solidFill>
+                  <a:srgbClr val="7030A0"/>
+                </a:solidFill>
+                <a:latin typeface="Consolas" panose="020B0609020204030204" pitchFamily="49" charset="0"/>
+              </a:rPr>
+              <a:t>копируем </a:t>
+            </a:r>
+            <a:r>
+              <a:rPr lang="en-US" sz="1200" dirty="0" smtClean="0">
+                <a:solidFill>
+                  <a:srgbClr val="7030A0"/>
+                </a:solidFill>
+                <a:latin typeface="Consolas" panose="020B0609020204030204" pitchFamily="49" charset="0"/>
+              </a:rPr>
+              <a:t>CX </a:t>
+            </a:r>
+            <a:r>
+              <a:rPr lang="ru-RU" sz="1200" dirty="0" smtClean="0">
+                <a:solidFill>
+                  <a:srgbClr val="7030A0"/>
+                </a:solidFill>
+                <a:latin typeface="Consolas" panose="020B0609020204030204" pitchFamily="49" charset="0"/>
+              </a:rPr>
+              <a:t>в</a:t>
+            </a:r>
+            <a:r>
+              <a:rPr lang="en-US" sz="1200" dirty="0" smtClean="0">
+                <a:solidFill>
+                  <a:srgbClr val="7030A0"/>
+                </a:solidFill>
+                <a:latin typeface="Consolas" panose="020B0609020204030204" pitchFamily="49" charset="0"/>
+              </a:rPr>
+              <a:t> DX</a:t>
+            </a:r>
+            <a:r>
+              <a:rPr lang="ru-RU" sz="1200" dirty="0">
+                <a:solidFill>
+                  <a:srgbClr val="7030A0"/>
+                </a:solidFill>
+                <a:latin typeface="Consolas" panose="020B0609020204030204" pitchFamily="49" charset="0"/>
+              </a:rPr>
+              <a:t>,</a:t>
+            </a:r>
+            <a:r>
+              <a:rPr lang="en-US" sz="1200" dirty="0" smtClean="0">
+                <a:solidFill>
+                  <a:srgbClr val="7030A0"/>
+                </a:solidFill>
+                <a:latin typeface="Consolas" panose="020B0609020204030204" pitchFamily="49" charset="0"/>
+              </a:rPr>
+              <a:t> DX</a:t>
+            </a:r>
+            <a:r>
+              <a:rPr lang="ru-RU" sz="1200" dirty="0" smtClean="0">
+                <a:solidFill>
+                  <a:srgbClr val="7030A0"/>
+                </a:solidFill>
+                <a:latin typeface="Consolas" panose="020B0609020204030204" pitchFamily="49" charset="0"/>
+              </a:rPr>
+              <a:t> = 6</a:t>
+            </a:r>
+            <a:endParaRPr lang="ru-RU" sz="1200" dirty="0">
+              <a:solidFill>
+                <a:srgbClr val="7030A0"/>
+              </a:solidFill>
+              <a:latin typeface="Consolas" panose="020B0609020204030204" pitchFamily="49" charset="0"/>
+            </a:endParaRPr>
+          </a:p>
+          <a:p>
+            <a:r>
+              <a:rPr lang="ru-RU" sz="1200" dirty="0" err="1">
+                <a:solidFill>
+                  <a:schemeClr val="accent1">
+                    <a:lumMod val="75000"/>
+                  </a:schemeClr>
+                </a:solidFill>
+                <a:latin typeface="Consolas" panose="020B0609020204030204" pitchFamily="49" charset="0"/>
+              </a:rPr>
+              <a:t>add</a:t>
+            </a:r>
+            <a:r>
+              <a:rPr lang="ru-RU" sz="1200" dirty="0">
+                <a:solidFill>
+                  <a:schemeClr val="accent1">
+                    <a:lumMod val="50000"/>
+                  </a:schemeClr>
+                </a:solidFill>
+                <a:latin typeface="Consolas" panose="020B0609020204030204" pitchFamily="49" charset="0"/>
+              </a:rPr>
+              <a:t> </a:t>
+            </a:r>
+            <a:r>
+              <a:rPr lang="ru-RU" sz="1200" dirty="0" err="1">
+                <a:solidFill>
+                  <a:srgbClr val="FF0000"/>
+                </a:solidFill>
+                <a:latin typeface="Consolas" panose="020B0609020204030204" pitchFamily="49" charset="0"/>
+              </a:rPr>
+              <a:t>dx</a:t>
+            </a:r>
+            <a:r>
+              <a:rPr lang="ru-RU" sz="1200" dirty="0">
+                <a:solidFill>
+                  <a:schemeClr val="tx1"/>
+                </a:solidFill>
+                <a:latin typeface="Consolas" panose="020B0609020204030204" pitchFamily="49" charset="0"/>
+              </a:rPr>
+              <a:t>,</a:t>
+            </a:r>
+            <a:r>
+              <a:rPr lang="ru-RU" sz="1200" dirty="0">
+                <a:solidFill>
+                  <a:schemeClr val="accent1">
+                    <a:lumMod val="50000"/>
+                  </a:schemeClr>
+                </a:solidFill>
+                <a:latin typeface="Consolas" panose="020B0609020204030204" pitchFamily="49" charset="0"/>
+              </a:rPr>
+              <a:t> </a:t>
+            </a:r>
+            <a:r>
+              <a:rPr lang="ru-RU" sz="1200" dirty="0" err="1">
+                <a:solidFill>
+                  <a:srgbClr val="FF0000"/>
+                </a:solidFill>
+                <a:latin typeface="Consolas" panose="020B0609020204030204" pitchFamily="49" charset="0"/>
+              </a:rPr>
+              <a:t>ax</a:t>
+            </a:r>
+            <a:r>
+              <a:rPr lang="ru-RU" sz="1200" dirty="0">
+                <a:solidFill>
+                  <a:schemeClr val="accent1">
+                    <a:lumMod val="50000"/>
+                  </a:schemeClr>
+                </a:solidFill>
+                <a:latin typeface="Consolas" panose="020B0609020204030204" pitchFamily="49" charset="0"/>
+              </a:rPr>
+              <a:t> </a:t>
+            </a:r>
+            <a:r>
+              <a:rPr lang="en-US" sz="1200" dirty="0" smtClean="0">
+                <a:latin typeface="Consolas" panose="020B0609020204030204" pitchFamily="49" charset="0"/>
+              </a:rPr>
+              <a:t>	</a:t>
+            </a:r>
+            <a:r>
+              <a:rPr lang="en-US" sz="1200" dirty="0" smtClean="0">
+                <a:solidFill>
+                  <a:srgbClr val="7030A0"/>
+                </a:solidFill>
+                <a:latin typeface="Consolas" panose="020B0609020204030204" pitchFamily="49" charset="0"/>
+              </a:rPr>
+              <a:t>; DX = DX + AX</a:t>
+            </a:r>
+            <a:endParaRPr lang="ru-RU" sz="1200" dirty="0">
+              <a:solidFill>
+                <a:srgbClr val="7030A0"/>
+              </a:solidFill>
+              <a:latin typeface="Consolas" panose="020B0609020204030204" pitchFamily="49" charset="0"/>
+            </a:endParaRPr>
+          </a:p>
         </p:txBody>
       </p:sp>
-      <p:pic>
-        <p:nvPicPr>
-          <p:cNvPr id="1026" name="Picture 2" descr="ООП спагетти-код"/>
-          <p:cNvPicPr>
-            <a:picLocks noChangeAspect="1" noChangeArrowheads="1"/>
-          </p:cNvPicPr>
+      <p:sp>
+        <p:nvSpPr>
+          <p:cNvPr id="9" name="Стрелка вправо 8"/>
+          <p:cNvSpPr/>
           <p:nvPr/>
-        </p:nvPicPr>
-        <p:blipFill>
-          <a:blip r:embed="rId3">
-            <a:extLst>
-              <a:ext uri="{28A0092B-C50C-407E-A947-70E740481C1C}">
-                <a14:useLocalDpi xmlns:a14="http://schemas.microsoft.com/office/drawing/2010/main" xmlns="" val="0"/>
-              </a:ext>
-            </a:extLst>
-          </a:blip>
-          <a:srcRect/>
-          <a:stretch>
-            <a:fillRect/>
-          </a:stretch>
-        </p:blipFill>
-        <p:spPr bwMode="auto">
+        </p:nvSpPr>
+        <p:spPr>
           <a:xfrm>
-            <a:off x="4575150" y="1298093"/>
-            <a:ext cx="3878490" cy="2585660"/>
+            <a:off x="5133249" y="3097736"/>
+            <a:ext cx="796160" cy="472966"/>
+          </a:xfrm>
+          <a:prstGeom prst="rightArrow">
+            <a:avLst>
+              <a:gd name="adj1" fmla="val 50000"/>
+              <a:gd name="adj2" fmla="val 110000"/>
+            </a:avLst>
+          </a:prstGeom>
+        </p:spPr>
+        <p:style>
+          <a:lnRef idx="2">
+            <a:schemeClr val="accent4">
+              <a:shade val="50000"/>
+            </a:schemeClr>
+          </a:lnRef>
+          <a:fillRef idx="1">
+            <a:schemeClr val="accent4"/>
+          </a:fillRef>
+          <a:effectRef idx="0">
+            <a:schemeClr val="accent4"/>
+          </a:effectRef>
+          <a:fontRef idx="minor">
+            <a:schemeClr val="lt1"/>
+          </a:fontRef>
+        </p:style>
+        <p:txBody>
+          <a:bodyPr rtlCol="0" anchor="ctr"/>
+          <a:lstStyle/>
+          <a:p>
+            <a:pPr algn="ctr"/>
+            <a:endParaRPr lang="ru-RU"/>
+          </a:p>
+        </p:txBody>
+      </p:sp>
+      <p:sp>
+        <p:nvSpPr>
+          <p:cNvPr id="2" name="Прямоугольник 1"/>
+          <p:cNvSpPr/>
+          <p:nvPr/>
+        </p:nvSpPr>
+        <p:spPr>
+          <a:xfrm>
+            <a:off x="500550" y="1099901"/>
+            <a:ext cx="7113379" cy="738664"/>
           </a:xfrm>
           <a:prstGeom prst="rect">
             <a:avLst/>
           </a:prstGeom>
-          <a:noFill/>
-          <a:extLst>
-            <a:ext uri="{909E8E84-426E-40DD-AFC4-6F175D3DCCD1}">
-              <a14:hiddenFill xmlns:a14="http://schemas.microsoft.com/office/drawing/2010/main" xmlns="">
-                <a:solidFill>
-                  <a:srgbClr val="FFFFFF"/>
-                </a:solidFill>
-              </a14:hiddenFill>
-            </a:ext>
-          </a:extLst>
         </p:spPr>
-      </p:pic>
+        <p:txBody>
+          <a:bodyPr wrap="square">
+            <a:spAutoFit/>
+          </a:bodyPr>
+          <a:lstStyle/>
+          <a:p>
+            <a:r>
+              <a:rPr lang="ru-RU" dirty="0"/>
+              <a:t>До ООП в разработке использовался другой подход — процедурный. Программа представляется в нем как набор процедур и функций — подпрограмм, которые выполняют определенный блок кода с нужными входящими данными. </a:t>
+            </a:r>
+          </a:p>
+        </p:txBody>
+      </p:sp>
     </p:spTree>
     <p:extLst>
       <p:ext uri="{BB962C8B-B14F-4D97-AF65-F5344CB8AC3E}">
-        <p14:creationId xmlns:p14="http://schemas.microsoft.com/office/powerpoint/2010/main" xmlns="" val="3682479876"/>
+        <p14:creationId xmlns:p14="http://schemas.microsoft.com/office/powerpoint/2010/main" val="1071236081"/>
       </p:ext>
     </p:extLst>
   </p:cSld>
   <p:clrMapOvr>
     <a:masterClrMapping/>
   </p:clrMapOvr>
-  <mc:AlternateContent xmlns:mc="http://schemas.openxmlformats.org/markup-compatibility/2006">
-    <mc:Choice xmlns:p14="http://schemas.microsoft.com/office/powerpoint/2010/main" xmlns="" Requires="p14">
+  <mc:AlternateContent xmlns:mc="http://schemas.openxmlformats.org/markup-compatibility/2006" xmlns:p14="http://schemas.microsoft.com/office/powerpoint/2010/main">
+    <mc:Choice Requires="p14">
       <p:transition spd="slow" p14:dur="2000"/>
     </mc:Choice>
-    <mc:Fallback>
+    <mc:Fallback xmlns="">
       <p:transition spd="slow"/>
     </mc:Fallback>
   </mc:AlternateContent>

--- a/ООПp.1.pptx
+++ b/ООПp.1.pptx
@@ -34,7 +34,7 @@
     <p:sldId id="396" r:id="rId25"/>
     <p:sldId id="356" r:id="rId26"/>
     <p:sldId id="390" r:id="rId27"/>
-    <p:sldId id="425" r:id="rId28"/>
+    <p:sldId id="436" r:id="rId28"/>
     <p:sldId id="391" r:id="rId29"/>
     <p:sldId id="392" r:id="rId30"/>
     <p:sldId id="388" r:id="rId31"/>
@@ -53,36 +53,36 @@
   <p:notesSz cx="6858000" cy="9144000"/>
   <p:embeddedFontLst>
     <p:embeddedFont>
-      <p:font typeface="Calibri" panose="020F0502020204030204" pitchFamily="34" charset="0"/>
+      <p:font typeface="Roboto" panose="020B0604020202020204" charset="0"/>
       <p:regular r:id="rId43"/>
       <p:bold r:id="rId44"/>
       <p:italic r:id="rId45"/>
       <p:boldItalic r:id="rId46"/>
     </p:embeddedFont>
     <p:embeddedFont>
-      <p:font typeface="Consolas" panose="020B0609020204030204" pitchFamily="49" charset="0"/>
+      <p:font typeface="Calibri" panose="020F0502020204030204" pitchFamily="34" charset="0"/>
       <p:regular r:id="rId47"/>
       <p:bold r:id="rId48"/>
       <p:italic r:id="rId49"/>
       <p:boldItalic r:id="rId50"/>
     </p:embeddedFont>
     <p:embeddedFont>
-      <p:font typeface="Segoe UI" panose="020B0502040204020203" pitchFamily="34" charset="0"/>
+      <p:font typeface="Consolas" panose="020B0609020204030204" pitchFamily="49" charset="0"/>
       <p:regular r:id="rId51"/>
       <p:bold r:id="rId52"/>
       <p:italic r:id="rId53"/>
       <p:boldItalic r:id="rId54"/>
     </p:embeddedFont>
     <p:embeddedFont>
-      <p:font typeface="Arial Unicode MS" panose="020B0604020202020204" charset="-128"/>
+      <p:font typeface="Segoe UI" panose="020B0502040204020203" pitchFamily="34" charset="0"/>
       <p:regular r:id="rId55"/>
+      <p:bold r:id="rId56"/>
+      <p:italic r:id="rId57"/>
+      <p:boldItalic r:id="rId58"/>
     </p:embeddedFont>
     <p:embeddedFont>
-      <p:font typeface="Roboto" panose="020B0604020202020204" charset="0"/>
-      <p:regular r:id="rId56"/>
-      <p:bold r:id="rId57"/>
-      <p:italic r:id="rId58"/>
-      <p:boldItalic r:id="rId59"/>
+      <p:font typeface="Arial Unicode MS" panose="020B0604020202020204" charset="-128"/>
+      <p:regular r:id="rId59"/>
     </p:embeddedFont>
   </p:embeddedFontLst>
   <p:defaultTextStyle>
@@ -2919,7 +2919,7 @@
     </p:spTree>
     <p:extLst>
       <p:ext uri="{BB962C8B-B14F-4D97-AF65-F5344CB8AC3E}">
-        <p14:creationId xmlns:p14="http://schemas.microsoft.com/office/powerpoint/2010/main" val="1021492477"/>
+        <p14:creationId xmlns:p14="http://schemas.microsoft.com/office/powerpoint/2010/main" val="4041996850"/>
       </p:ext>
     </p:extLst>
   </p:cSld>
@@ -17769,9 +17769,453 @@
           </a:p>
         </p:txBody>
       </p:sp>
+      <p:sp>
+        <p:nvSpPr>
+          <p:cNvPr id="4" name="Google Shape;438;p74"/>
+          <p:cNvSpPr txBox="1"/>
+          <p:nvPr/>
+        </p:nvSpPr>
+        <p:spPr>
+          <a:xfrm>
+            <a:off x="5769010" y="902020"/>
+            <a:ext cx="2263740" cy="3877954"/>
+          </a:xfrm>
+          <a:prstGeom prst="rect">
+            <a:avLst/>
+          </a:prstGeom>
+          <a:noFill/>
+          <a:ln>
+            <a:noFill/>
+          </a:ln>
+        </p:spPr>
+        <p:txBody>
+          <a:bodyPr spcFirstLastPara="1" wrap="square" lIns="91425" tIns="91425" rIns="91425" bIns="91425" anchor="t" anchorCtr="0">
+            <a:spAutoFit/>
+          </a:bodyPr>
+          <a:lstStyle/>
+          <a:p>
+            <a:r>
+              <a:rPr lang="en-US" sz="1200" dirty="0" smtClean="0">
+                <a:solidFill>
+                  <a:srgbClr val="0000FF"/>
+                </a:solidFill>
+                <a:latin typeface="Consolas"/>
+              </a:rPr>
+              <a:t>abstract</a:t>
+            </a:r>
+            <a:r>
+              <a:rPr lang="en-US" sz="1200" dirty="0" smtClean="0">
+                <a:latin typeface="Consolas"/>
+              </a:rPr>
+              <a:t> </a:t>
+            </a:r>
+            <a:r>
+              <a:rPr lang="en-US" sz="1200" dirty="0" smtClean="0">
+                <a:solidFill>
+                  <a:srgbClr val="0000FF"/>
+                </a:solidFill>
+                <a:latin typeface="Consolas"/>
+              </a:rPr>
+              <a:t>class</a:t>
+            </a:r>
+            <a:r>
+              <a:rPr lang="en-US" sz="1200" dirty="0" smtClean="0">
+                <a:latin typeface="Consolas"/>
+              </a:rPr>
+              <a:t> </a:t>
+            </a:r>
+            <a:r>
+              <a:rPr lang="en-US" sz="1200" dirty="0" smtClean="0">
+                <a:solidFill>
+                  <a:srgbClr val="267F99"/>
+                </a:solidFill>
+                <a:latin typeface="Consolas"/>
+              </a:rPr>
+              <a:t>A</a:t>
+            </a:r>
+            <a:endParaRPr lang="en-US" sz="1200" dirty="0" smtClean="0">
+              <a:latin typeface="Consolas"/>
+            </a:endParaRPr>
+          </a:p>
+          <a:p>
+            <a:r>
+              <a:rPr lang="en-US" sz="1200" dirty="0" smtClean="0">
+                <a:latin typeface="Consolas"/>
+              </a:rPr>
+              <a:t>{</a:t>
+            </a:r>
+          </a:p>
+          <a:p>
+            <a:r>
+              <a:rPr lang="en-US" sz="1200" dirty="0" smtClean="0">
+                <a:solidFill>
+                  <a:srgbClr val="008000"/>
+                </a:solidFill>
+                <a:latin typeface="Consolas"/>
+              </a:rPr>
+              <a:t>    //</a:t>
+            </a:r>
+            <a:r>
+              <a:rPr lang="ru-RU" sz="1200" dirty="0" smtClean="0">
+                <a:solidFill>
+                  <a:srgbClr val="008000"/>
+                </a:solidFill>
+                <a:latin typeface="Consolas"/>
+              </a:rPr>
+              <a:t>код класса</a:t>
+            </a:r>
+            <a:endParaRPr lang="ru-RU" sz="1200" dirty="0" smtClean="0">
+              <a:latin typeface="Consolas"/>
+            </a:endParaRPr>
+          </a:p>
+          <a:p>
+            <a:r>
+              <a:rPr lang="ru-RU" sz="1200" dirty="0" smtClean="0">
+                <a:latin typeface="Consolas"/>
+              </a:rPr>
+              <a:t>}</a:t>
+            </a:r>
+          </a:p>
+          <a:p>
+            <a:r>
+              <a:rPr lang="en-US" sz="1200" dirty="0" smtClean="0">
+                <a:solidFill>
+                  <a:srgbClr val="0000FF"/>
+                </a:solidFill>
+                <a:latin typeface="Consolas"/>
+              </a:rPr>
+              <a:t>interface</a:t>
+            </a:r>
+            <a:r>
+              <a:rPr lang="en-US" sz="1200" dirty="0" smtClean="0">
+                <a:latin typeface="Consolas"/>
+              </a:rPr>
+              <a:t> </a:t>
+            </a:r>
+            <a:r>
+              <a:rPr lang="en-US" sz="1200" dirty="0" smtClean="0">
+                <a:solidFill>
+                  <a:srgbClr val="267F99"/>
+                </a:solidFill>
+                <a:latin typeface="Consolas"/>
+              </a:rPr>
+              <a:t>IFace1</a:t>
+            </a:r>
+            <a:endParaRPr lang="en-US" sz="1200" dirty="0" smtClean="0">
+              <a:latin typeface="Consolas"/>
+            </a:endParaRPr>
+          </a:p>
+          <a:p>
+            <a:r>
+              <a:rPr lang="en-US" sz="1200" dirty="0" smtClean="0">
+                <a:latin typeface="Consolas"/>
+              </a:rPr>
+              <a:t>{</a:t>
+            </a:r>
+          </a:p>
+          <a:p>
+            <a:r>
+              <a:rPr lang="en-US" sz="1200" dirty="0" smtClean="0">
+                <a:solidFill>
+                  <a:srgbClr val="008000"/>
+                </a:solidFill>
+                <a:latin typeface="Consolas"/>
+              </a:rPr>
+              <a:t>    //</a:t>
+            </a:r>
+            <a:r>
+              <a:rPr lang="ru-RU" sz="1200" dirty="0" smtClean="0">
+                <a:solidFill>
+                  <a:srgbClr val="008000"/>
+                </a:solidFill>
+                <a:latin typeface="Consolas"/>
+              </a:rPr>
+              <a:t>код интерфейса</a:t>
+            </a:r>
+            <a:endParaRPr lang="ru-RU" sz="1200" dirty="0" smtClean="0">
+              <a:latin typeface="Consolas"/>
+            </a:endParaRPr>
+          </a:p>
+          <a:p>
+            <a:r>
+              <a:rPr lang="ru-RU" sz="1200" dirty="0" smtClean="0">
+                <a:latin typeface="Consolas"/>
+              </a:rPr>
+              <a:t>}</a:t>
+            </a:r>
+          </a:p>
+          <a:p>
+            <a:r>
+              <a:rPr lang="en-US" sz="1200" dirty="0" smtClean="0">
+                <a:solidFill>
+                  <a:srgbClr val="0000FF"/>
+                </a:solidFill>
+                <a:latin typeface="Consolas"/>
+              </a:rPr>
+              <a:t>interface</a:t>
+            </a:r>
+            <a:r>
+              <a:rPr lang="en-US" sz="1200" dirty="0" smtClean="0">
+                <a:latin typeface="Consolas"/>
+              </a:rPr>
+              <a:t> </a:t>
+            </a:r>
+            <a:r>
+              <a:rPr lang="en-US" sz="1200" dirty="0" smtClean="0">
+                <a:solidFill>
+                  <a:srgbClr val="267F99"/>
+                </a:solidFill>
+                <a:latin typeface="Consolas"/>
+              </a:rPr>
+              <a:t>IFace2</a:t>
+            </a:r>
+            <a:endParaRPr lang="en-US" sz="1200" dirty="0" smtClean="0">
+              <a:latin typeface="Consolas"/>
+            </a:endParaRPr>
+          </a:p>
+          <a:p>
+            <a:r>
+              <a:rPr lang="en-US" sz="1200" dirty="0" smtClean="0">
+                <a:latin typeface="Consolas"/>
+              </a:rPr>
+              <a:t>{</a:t>
+            </a:r>
+          </a:p>
+          <a:p>
+            <a:r>
+              <a:rPr lang="en-US" sz="1200" dirty="0" smtClean="0">
+                <a:solidFill>
+                  <a:srgbClr val="008000"/>
+                </a:solidFill>
+                <a:latin typeface="Consolas"/>
+              </a:rPr>
+              <a:t>    //</a:t>
+            </a:r>
+            <a:r>
+              <a:rPr lang="ru-RU" sz="1200" dirty="0" smtClean="0">
+                <a:solidFill>
+                  <a:srgbClr val="008000"/>
+                </a:solidFill>
+                <a:latin typeface="Consolas"/>
+              </a:rPr>
+              <a:t>код интерфейса</a:t>
+            </a:r>
+            <a:endParaRPr lang="ru-RU" sz="1200" dirty="0" smtClean="0">
+              <a:latin typeface="Consolas"/>
+            </a:endParaRPr>
+          </a:p>
+          <a:p>
+            <a:r>
+              <a:rPr lang="ru-RU" sz="1200" dirty="0" smtClean="0">
+                <a:latin typeface="Consolas"/>
+              </a:rPr>
+              <a:t>}</a:t>
+            </a:r>
+          </a:p>
+          <a:p>
+            <a:r>
+              <a:rPr lang="en-US" sz="1200" dirty="0" smtClean="0">
+                <a:solidFill>
+                  <a:srgbClr val="0000FF"/>
+                </a:solidFill>
+                <a:latin typeface="Consolas"/>
+              </a:rPr>
+              <a:t>class</a:t>
+            </a:r>
+            <a:r>
+              <a:rPr lang="en-US" sz="1200" dirty="0" smtClean="0">
+                <a:latin typeface="Consolas"/>
+              </a:rPr>
+              <a:t> </a:t>
+            </a:r>
+            <a:r>
+              <a:rPr lang="en-US" sz="1200" dirty="0" smtClean="0">
+                <a:solidFill>
+                  <a:srgbClr val="267F99"/>
+                </a:solidFill>
+                <a:latin typeface="Consolas"/>
+              </a:rPr>
+              <a:t>B</a:t>
+            </a:r>
+            <a:r>
+              <a:rPr lang="en-US" sz="1200" dirty="0" smtClean="0">
+                <a:latin typeface="Consolas"/>
+              </a:rPr>
+              <a:t> : </a:t>
+            </a:r>
+            <a:r>
+              <a:rPr lang="en-US" sz="1200" dirty="0" smtClean="0">
+                <a:solidFill>
+                  <a:srgbClr val="267F99"/>
+                </a:solidFill>
+                <a:latin typeface="Consolas"/>
+              </a:rPr>
+              <a:t>A</a:t>
+            </a:r>
+            <a:r>
+              <a:rPr lang="en-US" sz="1200" dirty="0" smtClean="0">
+                <a:latin typeface="Consolas"/>
+              </a:rPr>
+              <a:t>, </a:t>
+            </a:r>
+            <a:r>
+              <a:rPr lang="en-US" sz="1200" dirty="0" smtClean="0">
+                <a:solidFill>
+                  <a:srgbClr val="267F99"/>
+                </a:solidFill>
+                <a:latin typeface="Consolas"/>
+              </a:rPr>
+              <a:t>IFace2</a:t>
+            </a:r>
+            <a:endParaRPr lang="en-US" sz="1200" dirty="0" smtClean="0">
+              <a:latin typeface="Consolas"/>
+            </a:endParaRPr>
+          </a:p>
+          <a:p>
+            <a:r>
+              <a:rPr lang="en-US" sz="1200" dirty="0" smtClean="0">
+                <a:latin typeface="Consolas"/>
+              </a:rPr>
+              <a:t>{</a:t>
+            </a:r>
+          </a:p>
+          <a:p>
+            <a:r>
+              <a:rPr lang="en-US" sz="1200" dirty="0" smtClean="0">
+                <a:solidFill>
+                  <a:srgbClr val="008000"/>
+                </a:solidFill>
+                <a:latin typeface="Consolas"/>
+              </a:rPr>
+              <a:t>    //</a:t>
+            </a:r>
+            <a:r>
+              <a:rPr lang="ru-RU" sz="1200" dirty="0" smtClean="0">
+                <a:solidFill>
+                  <a:srgbClr val="008000"/>
+                </a:solidFill>
+                <a:latin typeface="Consolas"/>
+              </a:rPr>
+              <a:t>код класса</a:t>
+            </a:r>
+            <a:endParaRPr lang="ru-RU" sz="1200" dirty="0" smtClean="0">
+              <a:latin typeface="Consolas"/>
+            </a:endParaRPr>
+          </a:p>
+          <a:p>
+            <a:r>
+              <a:rPr lang="ru-RU" sz="1200" dirty="0" smtClean="0">
+                <a:latin typeface="Consolas"/>
+              </a:rPr>
+              <a:t>}</a:t>
+            </a:r>
+          </a:p>
+          <a:p>
+            <a:r>
+              <a:rPr lang="en-US" sz="1200" dirty="0" smtClean="0">
+                <a:solidFill>
+                  <a:srgbClr val="0000FF"/>
+                </a:solidFill>
+                <a:latin typeface="Consolas"/>
+              </a:rPr>
+              <a:t>class</a:t>
+            </a:r>
+            <a:r>
+              <a:rPr lang="en-US" sz="1200" dirty="0" smtClean="0">
+                <a:latin typeface="Consolas"/>
+              </a:rPr>
+              <a:t> </a:t>
+            </a:r>
+            <a:r>
+              <a:rPr lang="ru-RU" sz="1200" dirty="0" smtClean="0">
+                <a:solidFill>
+                  <a:srgbClr val="267F99"/>
+                </a:solidFill>
+                <a:latin typeface="Consolas"/>
+              </a:rPr>
+              <a:t>С</a:t>
+            </a:r>
+            <a:r>
+              <a:rPr lang="ru-RU" sz="1200" dirty="0" smtClean="0">
+                <a:latin typeface="Consolas"/>
+              </a:rPr>
+              <a:t> : </a:t>
+            </a:r>
+            <a:r>
+              <a:rPr lang="en-US" sz="1200" dirty="0" smtClean="0">
+                <a:solidFill>
+                  <a:srgbClr val="267F99"/>
+                </a:solidFill>
+                <a:latin typeface="Consolas"/>
+              </a:rPr>
+              <a:t>B</a:t>
+            </a:r>
+            <a:r>
+              <a:rPr lang="en-US" sz="1200" dirty="0" smtClean="0">
+                <a:latin typeface="Consolas"/>
+              </a:rPr>
+              <a:t>, </a:t>
+            </a:r>
+            <a:r>
+              <a:rPr lang="en-US" sz="1200" dirty="0" smtClean="0">
+                <a:solidFill>
+                  <a:srgbClr val="267F99"/>
+                </a:solidFill>
+                <a:latin typeface="Consolas"/>
+              </a:rPr>
+              <a:t>IFace1</a:t>
+            </a:r>
+            <a:endParaRPr lang="en-US" sz="1200" dirty="0" smtClean="0">
+              <a:latin typeface="Consolas"/>
+            </a:endParaRPr>
+          </a:p>
+          <a:p>
+            <a:r>
+              <a:rPr lang="en-US" sz="1200" dirty="0" smtClean="0">
+                <a:latin typeface="Consolas"/>
+              </a:rPr>
+              <a:t>{</a:t>
+            </a:r>
+          </a:p>
+          <a:p>
+            <a:r>
+              <a:rPr lang="en-US" sz="1200" dirty="0" smtClean="0">
+                <a:solidFill>
+                  <a:srgbClr val="008000"/>
+                </a:solidFill>
+                <a:latin typeface="Consolas"/>
+              </a:rPr>
+              <a:t>    //</a:t>
+            </a:r>
+            <a:r>
+              <a:rPr lang="ru-RU" sz="1200" dirty="0" smtClean="0">
+                <a:solidFill>
+                  <a:srgbClr val="008000"/>
+                </a:solidFill>
+                <a:latin typeface="Consolas"/>
+              </a:rPr>
+              <a:t>код класса</a:t>
+            </a:r>
+            <a:endParaRPr lang="ru-RU" sz="1200" dirty="0" smtClean="0">
+              <a:latin typeface="Consolas"/>
+            </a:endParaRPr>
+          </a:p>
+          <a:p>
+            <a:r>
+              <a:rPr lang="ru-RU" sz="1200" dirty="0" smtClean="0">
+                <a:latin typeface="Consolas"/>
+              </a:rPr>
+              <a:t>}</a:t>
+            </a:r>
+            <a:endParaRPr lang="ru-RU" sz="1200" dirty="0">
+              <a:latin typeface="Consolas"/>
+            </a:endParaRPr>
+          </a:p>
+        </p:txBody>
+      </p:sp>
       <p:pic>
         <p:nvPicPr>
-          <p:cNvPr id="1030" name="Picture 6"/>
+          <p:cNvPr id="1026" name="Picture 2"/>
           <p:cNvPicPr>
             <a:picLocks noChangeAspect="1" noChangeArrowheads="1"/>
           </p:cNvPicPr>
@@ -17786,8 +18230,8 @@
         </p:blipFill>
         <p:spPr bwMode="auto">
           <a:xfrm>
-            <a:off x="779516" y="1325531"/>
-            <a:ext cx="3380989" cy="3117199"/>
+            <a:off x="812800" y="1071563"/>
+            <a:ext cx="3733800" cy="3457575"/>
           </a:xfrm>
           <a:prstGeom prst="rect">
             <a:avLst/>
@@ -17802,397 +18246,10 @@
           <a:effectLst/>
         </p:spPr>
       </p:pic>
-      <p:sp>
-        <p:nvSpPr>
-          <p:cNvPr id="7" name="Прямоугольник 6"/>
-          <p:cNvSpPr/>
-          <p:nvPr/>
-        </p:nvSpPr>
-        <p:spPr>
-          <a:xfrm>
-            <a:off x="5308600" y="1043791"/>
-            <a:ext cx="2978150" cy="3539430"/>
-          </a:xfrm>
-          <a:prstGeom prst="rect">
-            <a:avLst/>
-          </a:prstGeom>
-        </p:spPr>
-        <p:txBody>
-          <a:bodyPr wrap="square">
-            <a:spAutoFit/>
-          </a:bodyPr>
-          <a:lstStyle/>
-          <a:p>
-            <a:r>
-              <a:rPr lang="en-US" dirty="0" smtClean="0">
-                <a:solidFill>
-                  <a:srgbClr val="0000FF"/>
-                </a:solidFill>
-                <a:latin typeface="Consolas"/>
-              </a:rPr>
-              <a:t>abstract</a:t>
-            </a:r>
-            <a:r>
-              <a:rPr lang="en-US" dirty="0" smtClean="0">
-                <a:latin typeface="Consolas"/>
-              </a:rPr>
-              <a:t> </a:t>
-            </a:r>
-            <a:r>
-              <a:rPr lang="en-US" dirty="0" smtClean="0">
-                <a:solidFill>
-                  <a:srgbClr val="0000FF"/>
-                </a:solidFill>
-                <a:latin typeface="Consolas"/>
-              </a:rPr>
-              <a:t>class</a:t>
-            </a:r>
-            <a:r>
-              <a:rPr lang="en-US" dirty="0" smtClean="0">
-                <a:latin typeface="Consolas"/>
-              </a:rPr>
-              <a:t> </a:t>
-            </a:r>
-            <a:r>
-              <a:rPr lang="en-US" dirty="0" smtClean="0">
-                <a:solidFill>
-                  <a:srgbClr val="267F99"/>
-                </a:solidFill>
-                <a:latin typeface="Consolas"/>
-              </a:rPr>
-              <a:t>A</a:t>
-            </a:r>
-            <a:endParaRPr lang="en-US" dirty="0" smtClean="0">
-              <a:latin typeface="Consolas"/>
-            </a:endParaRPr>
-          </a:p>
-          <a:p>
-            <a:r>
-              <a:rPr lang="en-US" dirty="0" smtClean="0">
-                <a:latin typeface="Consolas"/>
-              </a:rPr>
-              <a:t>{</a:t>
-            </a:r>
-          </a:p>
-          <a:p>
-            <a:r>
-              <a:rPr lang="en-US" dirty="0" smtClean="0">
-                <a:solidFill>
-                  <a:srgbClr val="008000"/>
-                </a:solidFill>
-                <a:latin typeface="Consolas"/>
-              </a:rPr>
-              <a:t>    //</a:t>
-            </a:r>
-            <a:r>
-              <a:rPr lang="ru-RU" dirty="0" smtClean="0">
-                <a:solidFill>
-                  <a:srgbClr val="008000"/>
-                </a:solidFill>
-                <a:latin typeface="Consolas"/>
-              </a:rPr>
-              <a:t>код класса</a:t>
-            </a:r>
-            <a:endParaRPr lang="ru-RU" dirty="0" smtClean="0">
-              <a:latin typeface="Consolas"/>
-            </a:endParaRPr>
-          </a:p>
-          <a:p>
-            <a:r>
-              <a:rPr lang="ru-RU" dirty="0" smtClean="0">
-                <a:latin typeface="Consolas"/>
-              </a:rPr>
-              <a:t>}</a:t>
-            </a:r>
-          </a:p>
-          <a:p>
-            <a:r>
-              <a:rPr lang="en-US" dirty="0" smtClean="0">
-                <a:solidFill>
-                  <a:srgbClr val="0000FF"/>
-                </a:solidFill>
-                <a:latin typeface="Consolas"/>
-              </a:rPr>
-              <a:t>interface</a:t>
-            </a:r>
-            <a:r>
-              <a:rPr lang="en-US" dirty="0" smtClean="0">
-                <a:latin typeface="Consolas"/>
-              </a:rPr>
-              <a:t> </a:t>
-            </a:r>
-            <a:r>
-              <a:rPr lang="en-US" dirty="0" smtClean="0">
-                <a:solidFill>
-                  <a:srgbClr val="267F99"/>
-                </a:solidFill>
-                <a:latin typeface="Consolas"/>
-              </a:rPr>
-              <a:t>IFace1</a:t>
-            </a:r>
-            <a:endParaRPr lang="en-US" dirty="0" smtClean="0">
-              <a:latin typeface="Consolas"/>
-            </a:endParaRPr>
-          </a:p>
-          <a:p>
-            <a:r>
-              <a:rPr lang="en-US" dirty="0" smtClean="0">
-                <a:latin typeface="Consolas"/>
-              </a:rPr>
-              <a:t>{</a:t>
-            </a:r>
-          </a:p>
-          <a:p>
-            <a:r>
-              <a:rPr lang="en-US" dirty="0" smtClean="0">
-                <a:solidFill>
-                  <a:srgbClr val="008000"/>
-                </a:solidFill>
-                <a:latin typeface="Consolas"/>
-              </a:rPr>
-              <a:t>    //</a:t>
-            </a:r>
-            <a:r>
-              <a:rPr lang="ru-RU" dirty="0" smtClean="0">
-                <a:solidFill>
-                  <a:srgbClr val="008000"/>
-                </a:solidFill>
-                <a:latin typeface="Consolas"/>
-              </a:rPr>
-              <a:t>код интерфейса</a:t>
-            </a:r>
-            <a:endParaRPr lang="ru-RU" dirty="0" smtClean="0">
-              <a:latin typeface="Consolas"/>
-            </a:endParaRPr>
-          </a:p>
-          <a:p>
-            <a:r>
-              <a:rPr lang="ru-RU" dirty="0" smtClean="0">
-                <a:latin typeface="Consolas"/>
-              </a:rPr>
-              <a:t>}</a:t>
-            </a:r>
-          </a:p>
-          <a:p>
-            <a:r>
-              <a:rPr lang="en-US" dirty="0" smtClean="0">
-                <a:solidFill>
-                  <a:srgbClr val="0000FF"/>
-                </a:solidFill>
-                <a:latin typeface="Consolas"/>
-              </a:rPr>
-              <a:t>class</a:t>
-            </a:r>
-            <a:r>
-              <a:rPr lang="en-US" dirty="0" smtClean="0">
-                <a:latin typeface="Consolas"/>
-              </a:rPr>
-              <a:t> </a:t>
-            </a:r>
-            <a:r>
-              <a:rPr lang="en-US" dirty="0" smtClean="0">
-                <a:solidFill>
-                  <a:srgbClr val="267F99"/>
-                </a:solidFill>
-                <a:latin typeface="Consolas"/>
-              </a:rPr>
-              <a:t>B</a:t>
-            </a:r>
-            <a:r>
-              <a:rPr lang="en-US" dirty="0" smtClean="0">
-                <a:latin typeface="Consolas"/>
-              </a:rPr>
-              <a:t> :  </a:t>
-            </a:r>
-            <a:r>
-              <a:rPr lang="en-US" dirty="0" smtClean="0">
-                <a:solidFill>
-                  <a:srgbClr val="267F99"/>
-                </a:solidFill>
-                <a:latin typeface="Consolas"/>
-              </a:rPr>
-              <a:t>A</a:t>
-            </a:r>
-            <a:r>
-              <a:rPr lang="en-US" dirty="0" smtClean="0">
-                <a:latin typeface="Consolas"/>
-              </a:rPr>
-              <a:t>, </a:t>
-            </a:r>
-            <a:r>
-              <a:rPr lang="en-US" dirty="0" smtClean="0">
-                <a:solidFill>
-                  <a:srgbClr val="267F99"/>
-                </a:solidFill>
-                <a:latin typeface="Consolas"/>
-              </a:rPr>
-              <a:t>IFace1</a:t>
-            </a:r>
-            <a:r>
-              <a:rPr lang="en-US" dirty="0" smtClean="0">
-                <a:latin typeface="Consolas"/>
-              </a:rPr>
-              <a:t>, </a:t>
-            </a:r>
-            <a:r>
-              <a:rPr lang="en-US" dirty="0" smtClean="0">
-                <a:solidFill>
-                  <a:srgbClr val="267F99"/>
-                </a:solidFill>
-                <a:latin typeface="Consolas"/>
-              </a:rPr>
-              <a:t>IFace2</a:t>
-            </a:r>
-            <a:endParaRPr lang="en-US" dirty="0" smtClean="0">
-              <a:latin typeface="Consolas"/>
-            </a:endParaRPr>
-          </a:p>
-          <a:p>
-            <a:r>
-              <a:rPr lang="en-US" dirty="0" smtClean="0">
-                <a:latin typeface="Consolas"/>
-              </a:rPr>
-              <a:t>{</a:t>
-            </a:r>
-          </a:p>
-          <a:p>
-            <a:r>
-              <a:rPr lang="en-US" dirty="0" smtClean="0">
-                <a:solidFill>
-                  <a:srgbClr val="008000"/>
-                </a:solidFill>
-                <a:latin typeface="Consolas"/>
-              </a:rPr>
-              <a:t>    //</a:t>
-            </a:r>
-            <a:r>
-              <a:rPr lang="ru-RU" dirty="0" smtClean="0">
-                <a:solidFill>
-                  <a:srgbClr val="008000"/>
-                </a:solidFill>
-                <a:latin typeface="Consolas"/>
-              </a:rPr>
-              <a:t>код класса</a:t>
-            </a:r>
-            <a:endParaRPr lang="ru-RU" dirty="0" smtClean="0">
-              <a:latin typeface="Consolas"/>
-            </a:endParaRPr>
-          </a:p>
-          <a:p>
-            <a:r>
-              <a:rPr lang="ru-RU" dirty="0" smtClean="0">
-                <a:latin typeface="Consolas"/>
-              </a:rPr>
-              <a:t>}</a:t>
-            </a:r>
-          </a:p>
-          <a:p>
-            <a:r>
-              <a:rPr lang="en-US" dirty="0" smtClean="0">
-                <a:solidFill>
-                  <a:srgbClr val="0000FF"/>
-                </a:solidFill>
-                <a:latin typeface="Consolas"/>
-              </a:rPr>
-              <a:t>class</a:t>
-            </a:r>
-            <a:r>
-              <a:rPr lang="en-US" dirty="0" smtClean="0">
-                <a:latin typeface="Consolas"/>
-              </a:rPr>
-              <a:t> </a:t>
-            </a:r>
-            <a:r>
-              <a:rPr lang="ru-RU" dirty="0" smtClean="0">
-                <a:solidFill>
-                  <a:srgbClr val="267F99"/>
-                </a:solidFill>
-                <a:latin typeface="Consolas"/>
-              </a:rPr>
-              <a:t>С</a:t>
-            </a:r>
-            <a:r>
-              <a:rPr lang="ru-RU" dirty="0" smtClean="0">
-                <a:latin typeface="Consolas"/>
-              </a:rPr>
-              <a:t> : </a:t>
-            </a:r>
-            <a:r>
-              <a:rPr lang="en-US" dirty="0" smtClean="0">
-                <a:solidFill>
-                  <a:srgbClr val="267F99"/>
-                </a:solidFill>
-                <a:latin typeface="Consolas"/>
-              </a:rPr>
-              <a:t>B</a:t>
-            </a:r>
-            <a:r>
-              <a:rPr lang="en-US" dirty="0" smtClean="0">
-                <a:latin typeface="Consolas"/>
-              </a:rPr>
-              <a:t>, </a:t>
-            </a:r>
-            <a:r>
-              <a:rPr lang="en-US" dirty="0" smtClean="0">
-                <a:solidFill>
-                  <a:srgbClr val="267F99"/>
-                </a:solidFill>
-                <a:latin typeface="Consolas"/>
-              </a:rPr>
-              <a:t>IFace1</a:t>
-            </a:r>
-            <a:endParaRPr lang="en-US" dirty="0" smtClean="0">
-              <a:latin typeface="Consolas"/>
-            </a:endParaRPr>
-          </a:p>
-          <a:p>
-            <a:r>
-              <a:rPr lang="en-US" dirty="0" smtClean="0">
-                <a:latin typeface="Consolas"/>
-              </a:rPr>
-              <a:t>{</a:t>
-            </a:r>
-          </a:p>
-          <a:p>
-            <a:r>
-              <a:rPr lang="en-US" dirty="0" smtClean="0">
-                <a:solidFill>
-                  <a:srgbClr val="008000"/>
-                </a:solidFill>
-                <a:latin typeface="Consolas"/>
-              </a:rPr>
-              <a:t>    //</a:t>
-            </a:r>
-            <a:r>
-              <a:rPr lang="ru-RU" dirty="0" smtClean="0">
-                <a:solidFill>
-                  <a:srgbClr val="008000"/>
-                </a:solidFill>
-                <a:latin typeface="Consolas"/>
-              </a:rPr>
-              <a:t>код класса</a:t>
-            </a:r>
-            <a:endParaRPr lang="ru-RU" dirty="0" smtClean="0">
-              <a:latin typeface="Consolas"/>
-            </a:endParaRPr>
-          </a:p>
-          <a:p>
-            <a:r>
-              <a:rPr lang="ru-RU" dirty="0" smtClean="0">
-                <a:latin typeface="Consolas"/>
-              </a:rPr>
-              <a:t>}</a:t>
-            </a:r>
-            <a:endParaRPr lang="ru-RU" dirty="0">
-              <a:latin typeface="Consolas"/>
-            </a:endParaRPr>
-          </a:p>
-        </p:txBody>
-      </p:sp>
     </p:spTree>
     <p:extLst>
       <p:ext uri="{BB962C8B-B14F-4D97-AF65-F5344CB8AC3E}">
-        <p14:creationId xmlns:p14="http://schemas.microsoft.com/office/powerpoint/2010/main" val="3413217380"/>
+        <p14:creationId xmlns:p14="http://schemas.microsoft.com/office/powerpoint/2010/main" val="3628796807"/>
       </p:ext>
     </p:extLst>
   </p:cSld>
